--- a/fuentes/contenidos/grado07/guion03/MapaConceptual_MA_07_03_CO.pptx
+++ b/fuentes/contenidos/grado07/guion03/MapaConceptual_MA_07_03_CO.pptx
@@ -450,7 +450,7 @@
           <a:p>
             <a:fld id="{5001C876-01F7-4317-94B9-1AE222133113}" type="datetimeFigureOut">
               <a:rPr lang="es-ES" smtClean="0"/>
-              <a:t>25/10/2015</a:t>
+              <a:t>27/10/2015</a:t>
             </a:fld>
             <a:endParaRPr lang="es-ES"/>
           </a:p>
@@ -1072,7 +1072,28 @@
                 <a:latin typeface="Arial" panose="020B0604020202020204" pitchFamily="34" charset="0"/>
                 <a:cs typeface="Arial" panose="020B0604020202020204" pitchFamily="34" charset="0"/>
               </a:rPr>
-              <a:t>Potencias y raíces de números enteros</a:t>
+              <a:t>La potenciación </a:t>
+            </a:r>
+            <a:r>
+              <a:rPr lang="es-ES" sz="1600" dirty="0" smtClean="0">
+                <a:latin typeface="Arial" panose="020B0604020202020204" pitchFamily="34" charset="0"/>
+                <a:cs typeface="Arial" panose="020B0604020202020204" pitchFamily="34" charset="0"/>
+              </a:rPr>
+              <a:t>y </a:t>
+            </a:r>
+            <a:r>
+              <a:rPr lang="es-ES" sz="1600" dirty="0" smtClean="0">
+                <a:latin typeface="Arial" panose="020B0604020202020204" pitchFamily="34" charset="0"/>
+                <a:cs typeface="Arial" panose="020B0604020202020204" pitchFamily="34" charset="0"/>
+              </a:rPr>
+              <a:t>la radicación </a:t>
+            </a:r>
+            <a:r>
+              <a:rPr lang="es-ES" sz="1600" dirty="0" smtClean="0">
+                <a:latin typeface="Arial" panose="020B0604020202020204" pitchFamily="34" charset="0"/>
+                <a:cs typeface="Arial" panose="020B0604020202020204" pitchFamily="34" charset="0"/>
+              </a:rPr>
+              <a:t>de números enteros</a:t>
             </a:r>
             <a:endParaRPr lang="es-ES" sz="1600" dirty="0">
               <a:latin typeface="Arial" panose="020B0604020202020204" pitchFamily="34" charset="0"/>
@@ -1089,8 +1110,8 @@
         </p:nvSpPr>
         <p:spPr>
           <a:xfrm>
-            <a:off x="2517155" y="959095"/>
-            <a:ext cx="1124746" cy="439782"/>
+            <a:off x="1810488" y="948146"/>
+            <a:ext cx="1154581" cy="327551"/>
           </a:xfrm>
           <a:prstGeom prst="rect">
             <a:avLst/>
@@ -1135,7 +1156,7 @@
                 <a:latin typeface="Arial" panose="020B0604020202020204" pitchFamily="34" charset="0"/>
                 <a:cs typeface="Arial" panose="020B0604020202020204" pitchFamily="34" charset="0"/>
               </a:rPr>
-              <a:t>Potencias</a:t>
+              <a:t>Potenciación</a:t>
             </a:r>
             <a:endParaRPr lang="es-ES" sz="1200" b="1" dirty="0">
               <a:latin typeface="Arial" panose="020B0604020202020204" pitchFamily="34" charset="0"/>
@@ -1147,21 +1168,16 @@
       <p:cxnSp>
         <p:nvCxnSpPr>
           <p:cNvPr id="12" name="Conector angular 11"/>
-          <p:cNvCxnSpPr>
-            <a:stCxn id="4" idx="2"/>
-            <a:endCxn id="5" idx="0"/>
-          </p:cNvCxnSpPr>
+          <p:cNvCxnSpPr/>
           <p:nvPr/>
         </p:nvCxnSpPr>
         <p:spPr>
-          <a:xfrm rot="5400000">
-            <a:off x="3651584" y="-140919"/>
-            <a:ext cx="527959" cy="1672069"/>
-          </a:xfrm>
-          <a:prstGeom prst="bentConnector3">
-            <a:avLst>
-              <a:gd name="adj1" fmla="val 24983"/>
-            </a:avLst>
+          <a:xfrm rot="10800000" flipV="1">
+            <a:off x="2398328" y="708611"/>
+            <a:ext cx="2108346" cy="250214"/>
+          </a:xfrm>
+          <a:prstGeom prst="bentConnector2">
+            <a:avLst/>
           </a:prstGeom>
           <a:ln w="12700">
             <a:solidFill>
@@ -1192,7 +1208,7 @@
         </p:nvSpPr>
         <p:spPr>
           <a:xfrm>
-            <a:off x="1398229" y="1497820"/>
+            <a:off x="688057" y="1500812"/>
             <a:ext cx="1122431" cy="230832"/>
           </a:xfrm>
           <a:prstGeom prst="rect">
@@ -1212,7 +1228,14 @@
                 <a:latin typeface="Arial" panose="020B0604020202020204" pitchFamily="34" charset="0"/>
                 <a:cs typeface="Arial" panose="020B0604020202020204" pitchFamily="34" charset="0"/>
               </a:rPr>
-              <a:t>Se definen como</a:t>
+              <a:t>se define </a:t>
+            </a:r>
+            <a:r>
+              <a:rPr lang="es-ES" sz="900" dirty="0" smtClean="0">
+                <a:latin typeface="Arial" panose="020B0604020202020204" pitchFamily="34" charset="0"/>
+                <a:cs typeface="Arial" panose="020B0604020202020204" pitchFamily="34" charset="0"/>
+              </a:rPr>
+              <a:t>como</a:t>
             </a:r>
             <a:endParaRPr lang="es-ES" sz="900" dirty="0">
               <a:latin typeface="Arial" panose="020B0604020202020204" pitchFamily="34" charset="0"/>
@@ -1232,8 +1255,8 @@
         </p:nvCxnSpPr>
         <p:spPr>
           <a:xfrm rot="5400000">
-            <a:off x="2470016" y="888307"/>
-            <a:ext cx="98943" cy="1120083"/>
+            <a:off x="1705969" y="819001"/>
+            <a:ext cx="225115" cy="1138506"/>
           </a:xfrm>
           <a:prstGeom prst="bentConnector3">
             <a:avLst>
@@ -1269,8 +1292,8 @@
         </p:nvSpPr>
         <p:spPr>
           <a:xfrm>
-            <a:off x="1336783" y="1871681"/>
-            <a:ext cx="1245980" cy="357473"/>
+            <a:off x="626611" y="1871968"/>
+            <a:ext cx="1402156" cy="518714"/>
           </a:xfrm>
           <a:prstGeom prst="rect">
             <a:avLst/>
@@ -1313,9 +1336,29 @@
                 <a:latin typeface="Arial" panose="020B0604020202020204" pitchFamily="34" charset="0"/>
                 <a:cs typeface="Arial" panose="020B0604020202020204" pitchFamily="34" charset="0"/>
               </a:rPr>
-              <a:t>Producto iterado de una base</a:t>
-            </a:r>
-            <a:endParaRPr lang="es-ES" sz="1050" dirty="0">
+              <a:t>el producto </a:t>
+            </a:r>
+            <a:r>
+              <a:rPr lang="es-ES" sz="1050" dirty="0" smtClean="0">
+                <a:solidFill>
+                  <a:schemeClr val="bg1"/>
+                </a:solidFill>
+                <a:latin typeface="Arial" panose="020B0604020202020204" pitchFamily="34" charset="0"/>
+                <a:cs typeface="Arial" panose="020B0604020202020204" pitchFamily="34" charset="0"/>
+              </a:rPr>
+              <a:t>iterado de una </a:t>
+            </a:r>
+            <a:r>
+              <a:rPr lang="es-ES" sz="1050" dirty="0" smtClean="0">
+                <a:solidFill>
+                  <a:schemeClr val="bg1"/>
+                </a:solidFill>
+                <a:latin typeface="Arial" panose="020B0604020202020204" pitchFamily="34" charset="0"/>
+                <a:cs typeface="Arial" panose="020B0604020202020204" pitchFamily="34" charset="0"/>
+              </a:rPr>
+              <a:t>cantidad</a:t>
+            </a:r>
+            <a:endParaRPr lang="es-ES" sz="1050" b="1" dirty="0">
               <a:solidFill>
                 <a:schemeClr val="bg1"/>
               </a:solidFill>
@@ -1325,46 +1368,6 @@
           </a:p>
         </p:txBody>
       </p:sp>
-      <p:cxnSp>
-        <p:nvCxnSpPr>
-          <p:cNvPr id="45" name="Conector angular 44"/>
-          <p:cNvCxnSpPr>
-            <a:stCxn id="19" idx="2"/>
-            <a:endCxn id="44" idx="0"/>
-          </p:cNvCxnSpPr>
-          <p:nvPr/>
-        </p:nvCxnSpPr>
-        <p:spPr>
-          <a:xfrm rot="16200000" flipH="1">
-            <a:off x="1888095" y="1800002"/>
-            <a:ext cx="143029" cy="328"/>
-          </a:xfrm>
-          <a:prstGeom prst="bentConnector3">
-            <a:avLst>
-              <a:gd name="adj1" fmla="val 50000"/>
-            </a:avLst>
-          </a:prstGeom>
-          <a:ln w="12700">
-            <a:solidFill>
-              <a:schemeClr val="tx1"/>
-            </a:solidFill>
-          </a:ln>
-        </p:spPr>
-        <p:style>
-          <a:lnRef idx="1">
-            <a:schemeClr val="accent1"/>
-          </a:lnRef>
-          <a:fillRef idx="0">
-            <a:schemeClr val="accent1"/>
-          </a:fillRef>
-          <a:effectRef idx="0">
-            <a:schemeClr val="accent1"/>
-          </a:effectRef>
-          <a:fontRef idx="minor">
-            <a:schemeClr val="tx1"/>
-          </a:fontRef>
-        </p:style>
-      </p:cxnSp>
       <p:sp>
         <p:nvSpPr>
           <p:cNvPr id="72" name="Rectángulo 71" descr="Nodo de tercer nivel" title="Nodo03"/>
@@ -1373,8 +1376,8 @@
         </p:nvSpPr>
         <p:spPr>
           <a:xfrm>
-            <a:off x="1398229" y="2746044"/>
-            <a:ext cx="1122431" cy="343441"/>
+            <a:off x="881636" y="2800690"/>
+            <a:ext cx="812010" cy="285641"/>
           </a:xfrm>
           <a:prstGeom prst="rect">
             <a:avLst/>
@@ -1427,7 +1430,7 @@
         </p:nvSpPr>
         <p:spPr>
           <a:xfrm>
-            <a:off x="1398229" y="3609643"/>
+            <a:off x="679491" y="4392040"/>
             <a:ext cx="1122431" cy="353519"/>
           </a:xfrm>
           <a:prstGeom prst="rect">
@@ -1469,7 +1472,17 @@
                 <a:latin typeface="Arial" panose="020B0604020202020204" pitchFamily="34" charset="0"/>
                 <a:cs typeface="Arial" panose="020B0604020202020204" pitchFamily="34" charset="0"/>
               </a:rPr>
-              <a:t>Modelos de situaciones reales</a:t>
+              <a:t>la modelación </a:t>
+            </a:r>
+            <a:r>
+              <a:rPr lang="es-ES" sz="900" dirty="0" smtClean="0">
+                <a:solidFill>
+                  <a:schemeClr val="tx1"/>
+                </a:solidFill>
+                <a:latin typeface="Arial" panose="020B0604020202020204" pitchFamily="34" charset="0"/>
+                <a:cs typeface="Arial" panose="020B0604020202020204" pitchFamily="34" charset="0"/>
+              </a:rPr>
+              <a:t>de situaciones reales</a:t>
             </a:r>
             <a:endParaRPr lang="es-ES" sz="900" dirty="0">
               <a:solidFill>
@@ -1489,7 +1502,7 @@
         </p:nvSpPr>
         <p:spPr>
           <a:xfrm>
-            <a:off x="1410029" y="4480052"/>
+            <a:off x="676737" y="5157794"/>
             <a:ext cx="1089819" cy="1223927"/>
           </a:xfrm>
           <a:prstGeom prst="rect">
@@ -1534,7 +1547,27 @@
                 <a:latin typeface="Arial" panose="020B0604020202020204" pitchFamily="34" charset="0"/>
                 <a:cs typeface="Arial" panose="020B0604020202020204" pitchFamily="34" charset="0"/>
               </a:rPr>
-              <a:t> Crecimiento de poblaciones</a:t>
+              <a:t> </a:t>
+            </a:r>
+            <a:r>
+              <a:rPr lang="es-ES" sz="900" dirty="0" smtClean="0">
+                <a:solidFill>
+                  <a:schemeClr val="tx1"/>
+                </a:solidFill>
+                <a:latin typeface="Arial" panose="020B0604020202020204" pitchFamily="34" charset="0"/>
+                <a:cs typeface="Arial" panose="020B0604020202020204" pitchFamily="34" charset="0"/>
+              </a:rPr>
+              <a:t>crecimiento </a:t>
+            </a:r>
+            <a:r>
+              <a:rPr lang="es-ES" sz="900" dirty="0" smtClean="0">
+                <a:solidFill>
+                  <a:schemeClr val="tx1"/>
+                </a:solidFill>
+                <a:latin typeface="Arial" panose="020B0604020202020204" pitchFamily="34" charset="0"/>
+                <a:cs typeface="Arial" panose="020B0604020202020204" pitchFamily="34" charset="0"/>
+              </a:rPr>
+              <a:t>de poblaciones</a:t>
             </a:r>
           </a:p>
           <a:p>
@@ -1550,7 +1583,27 @@
                 <a:latin typeface="Arial" panose="020B0604020202020204" pitchFamily="34" charset="0"/>
                 <a:cs typeface="Arial" panose="020B0604020202020204" pitchFamily="34" charset="0"/>
               </a:rPr>
-              <a:t> Conteo de elementos de un conjunto</a:t>
+              <a:t> </a:t>
+            </a:r>
+            <a:r>
+              <a:rPr lang="es-ES" sz="900" dirty="0" smtClean="0">
+                <a:solidFill>
+                  <a:schemeClr val="tx1"/>
+                </a:solidFill>
+                <a:latin typeface="Arial" panose="020B0604020202020204" pitchFamily="34" charset="0"/>
+                <a:cs typeface="Arial" panose="020B0604020202020204" pitchFamily="34" charset="0"/>
+              </a:rPr>
+              <a:t>conteo </a:t>
+            </a:r>
+            <a:r>
+              <a:rPr lang="es-ES" sz="900" dirty="0" smtClean="0">
+                <a:solidFill>
+                  <a:schemeClr val="tx1"/>
+                </a:solidFill>
+                <a:latin typeface="Arial" panose="020B0604020202020204" pitchFamily="34" charset="0"/>
+                <a:cs typeface="Arial" panose="020B0604020202020204" pitchFamily="34" charset="0"/>
+              </a:rPr>
+              <a:t>de elementos de un conjunto</a:t>
             </a:r>
           </a:p>
           <a:p>
@@ -1566,7 +1619,27 @@
                 <a:latin typeface="Arial" panose="020B0604020202020204" pitchFamily="34" charset="0"/>
                 <a:cs typeface="Arial" panose="020B0604020202020204" pitchFamily="34" charset="0"/>
               </a:rPr>
-              <a:t> Reconocimiento de patrones</a:t>
+              <a:t> </a:t>
+            </a:r>
+            <a:r>
+              <a:rPr lang="es-ES" sz="900" dirty="0" smtClean="0">
+                <a:solidFill>
+                  <a:schemeClr val="tx1"/>
+                </a:solidFill>
+                <a:latin typeface="Arial" panose="020B0604020202020204" pitchFamily="34" charset="0"/>
+                <a:cs typeface="Arial" panose="020B0604020202020204" pitchFamily="34" charset="0"/>
+              </a:rPr>
+              <a:t>reconocimiento </a:t>
+            </a:r>
+            <a:r>
+              <a:rPr lang="es-ES" sz="900" dirty="0" smtClean="0">
+                <a:solidFill>
+                  <a:schemeClr val="tx1"/>
+                </a:solidFill>
+                <a:latin typeface="Arial" panose="020B0604020202020204" pitchFamily="34" charset="0"/>
+                <a:cs typeface="Arial" panose="020B0604020202020204" pitchFamily="34" charset="0"/>
+              </a:rPr>
+              <a:t>de patrones</a:t>
             </a:r>
           </a:p>
         </p:txBody>
@@ -1579,8 +1652,8 @@
         </p:nvSpPr>
         <p:spPr>
           <a:xfrm>
-            <a:off x="1399982" y="3226160"/>
-            <a:ext cx="1117174" cy="230832"/>
+            <a:off x="557306" y="4072222"/>
+            <a:ext cx="1283120" cy="230832"/>
           </a:xfrm>
           <a:prstGeom prst="rect">
             <a:avLst/>
@@ -1599,7 +1672,7 @@
                 <a:latin typeface="Arial" panose="020B0604020202020204" pitchFamily="34" charset="0"/>
                 <a:cs typeface="Arial" panose="020B0604020202020204" pitchFamily="34" charset="0"/>
               </a:rPr>
-              <a:t>Se usa para</a:t>
+              <a:t>tiene aplicaciones en</a:t>
             </a:r>
             <a:endParaRPr lang="es-ES" sz="900" dirty="0">
               <a:latin typeface="Arial" panose="020B0604020202020204" pitchFamily="34" charset="0"/>
@@ -1608,126 +1681,6 @@
           </a:p>
         </p:txBody>
       </p:sp>
-      <p:cxnSp>
-        <p:nvCxnSpPr>
-          <p:cNvPr id="76" name="Conector angular 75"/>
-          <p:cNvCxnSpPr>
-            <a:stCxn id="44" idx="2"/>
-            <a:endCxn id="72" idx="0"/>
-          </p:cNvCxnSpPr>
-          <p:nvPr/>
-        </p:nvCxnSpPr>
-        <p:spPr>
-          <a:xfrm rot="5400000">
-            <a:off x="1701164" y="2487435"/>
-            <a:ext cx="516890" cy="328"/>
-          </a:xfrm>
-          <a:prstGeom prst="bentConnector3">
-            <a:avLst>
-              <a:gd name="adj1" fmla="val 50000"/>
-            </a:avLst>
-          </a:prstGeom>
-          <a:ln w="12700">
-            <a:solidFill>
-              <a:schemeClr val="tx1"/>
-            </a:solidFill>
-          </a:ln>
-        </p:spPr>
-        <p:style>
-          <a:lnRef idx="1">
-            <a:schemeClr val="accent1"/>
-          </a:lnRef>
-          <a:fillRef idx="0">
-            <a:schemeClr val="accent1"/>
-          </a:fillRef>
-          <a:effectRef idx="0">
-            <a:schemeClr val="accent1"/>
-          </a:effectRef>
-          <a:fontRef idx="minor">
-            <a:schemeClr val="tx1"/>
-          </a:fontRef>
-        </p:style>
-      </p:cxnSp>
-      <p:cxnSp>
-        <p:nvCxnSpPr>
-          <p:cNvPr id="79" name="Conector angular 78"/>
-          <p:cNvCxnSpPr>
-            <a:stCxn id="72" idx="2"/>
-            <a:endCxn id="75" idx="0"/>
-          </p:cNvCxnSpPr>
-          <p:nvPr/>
-        </p:nvCxnSpPr>
-        <p:spPr>
-          <a:xfrm rot="5400000">
-            <a:off x="1890670" y="3157384"/>
-            <a:ext cx="136675" cy="876"/>
-          </a:xfrm>
-          <a:prstGeom prst="bentConnector3">
-            <a:avLst>
-              <a:gd name="adj1" fmla="val 50000"/>
-            </a:avLst>
-          </a:prstGeom>
-          <a:ln w="12700">
-            <a:solidFill>
-              <a:schemeClr val="tx1"/>
-            </a:solidFill>
-          </a:ln>
-        </p:spPr>
-        <p:style>
-          <a:lnRef idx="1">
-            <a:schemeClr val="accent1"/>
-          </a:lnRef>
-          <a:fillRef idx="0">
-            <a:schemeClr val="accent1"/>
-          </a:fillRef>
-          <a:effectRef idx="0">
-            <a:schemeClr val="accent1"/>
-          </a:effectRef>
-          <a:fontRef idx="minor">
-            <a:schemeClr val="tx1"/>
-          </a:fontRef>
-        </p:style>
-      </p:cxnSp>
-      <p:cxnSp>
-        <p:nvCxnSpPr>
-          <p:cNvPr id="82" name="Conector angular 81"/>
-          <p:cNvCxnSpPr>
-            <a:stCxn id="75" idx="2"/>
-            <a:endCxn id="73" idx="0"/>
-          </p:cNvCxnSpPr>
-          <p:nvPr/>
-        </p:nvCxnSpPr>
-        <p:spPr>
-          <a:xfrm rot="16200000" flipH="1">
-            <a:off x="1882682" y="3532879"/>
-            <a:ext cx="152651" cy="876"/>
-          </a:xfrm>
-          <a:prstGeom prst="bentConnector3">
-            <a:avLst>
-              <a:gd name="adj1" fmla="val 50000"/>
-            </a:avLst>
-          </a:prstGeom>
-          <a:ln w="12700">
-            <a:solidFill>
-              <a:schemeClr val="tx1"/>
-            </a:solidFill>
-          </a:ln>
-        </p:spPr>
-        <p:style>
-          <a:lnRef idx="1">
-            <a:schemeClr val="accent1"/>
-          </a:lnRef>
-          <a:fillRef idx="0">
-            <a:schemeClr val="accent1"/>
-          </a:fillRef>
-          <a:effectRef idx="0">
-            <a:schemeClr val="accent1"/>
-          </a:effectRef>
-          <a:fontRef idx="minor">
-            <a:schemeClr val="tx1"/>
-          </a:fontRef>
-        </p:style>
-      </p:cxnSp>
       <p:sp>
         <p:nvSpPr>
           <p:cNvPr id="133" name="CuadroTexto 132" descr="Conector entre nodos" title="conector"/>
@@ -1736,7 +1689,7 @@
         </p:nvSpPr>
         <p:spPr>
           <a:xfrm>
-            <a:off x="1399981" y="4129801"/>
+            <a:off x="635648" y="4819810"/>
             <a:ext cx="1117174" cy="230832"/>
           </a:xfrm>
           <a:prstGeom prst="rect">
@@ -1756,7 +1709,7 @@
                 <a:latin typeface="Arial" panose="020B0604020202020204" pitchFamily="34" charset="0"/>
                 <a:cs typeface="Arial" panose="020B0604020202020204" pitchFamily="34" charset="0"/>
               </a:rPr>
-              <a:t>Pueden ser</a:t>
+              <a:t>como</a:t>
             </a:r>
             <a:endParaRPr lang="es-ES" sz="900" dirty="0">
               <a:latin typeface="Arial" panose="020B0604020202020204" pitchFamily="34" charset="0"/>
@@ -1765,84 +1718,6 @@
           </a:p>
         </p:txBody>
       </p:sp>
-      <p:cxnSp>
-        <p:nvCxnSpPr>
-          <p:cNvPr id="134" name="Conector angular 133"/>
-          <p:cNvCxnSpPr>
-            <a:stCxn id="73" idx="2"/>
-            <a:endCxn id="133" idx="0"/>
-          </p:cNvCxnSpPr>
-          <p:nvPr/>
-        </p:nvCxnSpPr>
-        <p:spPr>
-          <a:xfrm rot="5400000">
-            <a:off x="1875688" y="4046043"/>
-            <a:ext cx="166639" cy="877"/>
-          </a:xfrm>
-          <a:prstGeom prst="bentConnector3">
-            <a:avLst>
-              <a:gd name="adj1" fmla="val 50000"/>
-            </a:avLst>
-          </a:prstGeom>
-          <a:ln w="12700">
-            <a:solidFill>
-              <a:schemeClr val="tx1"/>
-            </a:solidFill>
-          </a:ln>
-        </p:spPr>
-        <p:style>
-          <a:lnRef idx="1">
-            <a:schemeClr val="accent1"/>
-          </a:lnRef>
-          <a:fillRef idx="0">
-            <a:schemeClr val="accent1"/>
-          </a:fillRef>
-          <a:effectRef idx="0">
-            <a:schemeClr val="accent1"/>
-          </a:effectRef>
-          <a:fontRef idx="minor">
-            <a:schemeClr val="tx1"/>
-          </a:fontRef>
-        </p:style>
-      </p:cxnSp>
-      <p:cxnSp>
-        <p:nvCxnSpPr>
-          <p:cNvPr id="137" name="Conector angular 136"/>
-          <p:cNvCxnSpPr>
-            <a:stCxn id="74" idx="0"/>
-            <a:endCxn id="133" idx="2"/>
-          </p:cNvCxnSpPr>
-          <p:nvPr/>
-        </p:nvCxnSpPr>
-        <p:spPr>
-          <a:xfrm rot="5400000" flipH="1" flipV="1">
-            <a:off x="1897044" y="4418529"/>
-            <a:ext cx="119419" cy="3629"/>
-          </a:xfrm>
-          <a:prstGeom prst="bentConnector3">
-            <a:avLst/>
-          </a:prstGeom>
-          <a:ln w="12700">
-            <a:solidFill>
-              <a:schemeClr val="tx1"/>
-            </a:solidFill>
-          </a:ln>
-        </p:spPr>
-        <p:style>
-          <a:lnRef idx="1">
-            <a:schemeClr val="accent1"/>
-          </a:lnRef>
-          <a:fillRef idx="0">
-            <a:schemeClr val="accent1"/>
-          </a:fillRef>
-          <a:effectRef idx="0">
-            <a:schemeClr val="accent1"/>
-          </a:effectRef>
-          <a:fontRef idx="minor">
-            <a:schemeClr val="tx1"/>
-          </a:fontRef>
-        </p:style>
-      </p:cxnSp>
       <p:sp>
         <p:nvSpPr>
           <p:cNvPr id="216" name="Rectángulo 215" descr="Nodo de primer nivel" title="Nodo01"/>
@@ -1851,8 +1726,8 @@
         </p:nvSpPr>
         <p:spPr>
           <a:xfrm>
-            <a:off x="5717545" y="972455"/>
-            <a:ext cx="1124746" cy="439782"/>
+            <a:off x="5109805" y="942056"/>
+            <a:ext cx="1019844" cy="337770"/>
           </a:xfrm>
           <a:prstGeom prst="rect">
             <a:avLst/>
@@ -1897,7 +1772,7 @@
                 <a:latin typeface="Arial" panose="020B0604020202020204" pitchFamily="34" charset="0"/>
                 <a:cs typeface="Arial" panose="020B0604020202020204" pitchFamily="34" charset="0"/>
               </a:rPr>
-              <a:t>Raíces</a:t>
+              <a:t>Radicación</a:t>
             </a:r>
             <a:endParaRPr lang="es-ES" sz="1200" b="1" dirty="0">
               <a:latin typeface="Arial" panose="020B0604020202020204" pitchFamily="34" charset="0"/>
@@ -1906,46 +1781,6 @@
           </a:p>
         </p:txBody>
       </p:sp>
-      <p:cxnSp>
-        <p:nvCxnSpPr>
-          <p:cNvPr id="217" name="Conector angular 216"/>
-          <p:cNvCxnSpPr>
-            <a:stCxn id="4" idx="2"/>
-            <a:endCxn id="216" idx="0"/>
-          </p:cNvCxnSpPr>
-          <p:nvPr/>
-        </p:nvCxnSpPr>
-        <p:spPr>
-          <a:xfrm rot="16200000" flipH="1">
-            <a:off x="5245098" y="-62366"/>
-            <a:ext cx="541319" cy="1528321"/>
-          </a:xfrm>
-          <a:prstGeom prst="bentConnector3">
-            <a:avLst>
-              <a:gd name="adj1" fmla="val 23724"/>
-            </a:avLst>
-          </a:prstGeom>
-          <a:ln w="12700">
-            <a:solidFill>
-              <a:schemeClr val="tx1"/>
-            </a:solidFill>
-          </a:ln>
-        </p:spPr>
-        <p:style>
-          <a:lnRef idx="1">
-            <a:schemeClr val="accent1"/>
-          </a:lnRef>
-          <a:fillRef idx="0">
-            <a:schemeClr val="accent1"/>
-          </a:fillRef>
-          <a:effectRef idx="0">
-            <a:schemeClr val="accent1"/>
-          </a:effectRef>
-          <a:fontRef idx="minor">
-            <a:schemeClr val="tx1"/>
-          </a:fontRef>
-        </p:style>
-      </p:cxnSp>
       <p:sp>
         <p:nvSpPr>
           <p:cNvPr id="256" name="Rectángulo 255" descr="Nodo de tercer nivel" title="Nodo03"/>
@@ -1954,8 +1789,8 @@
         </p:nvSpPr>
         <p:spPr>
           <a:xfrm>
-            <a:off x="4069844" y="2746044"/>
-            <a:ext cx="1122431" cy="343441"/>
+            <a:off x="3584666" y="2896211"/>
+            <a:ext cx="923494" cy="304198"/>
           </a:xfrm>
           <a:prstGeom prst="rect">
             <a:avLst/>
@@ -1998,7 +1833,7 @@
                 <a:latin typeface="Arial" panose="020B0604020202020204" pitchFamily="34" charset="0"/>
                 <a:cs typeface="Arial" panose="020B0604020202020204" pitchFamily="34" charset="0"/>
               </a:rPr>
-              <a:t>Cocientes </a:t>
+              <a:t>cocientes </a:t>
             </a:r>
             <a:endParaRPr lang="es-ES" sz="900" dirty="0">
               <a:solidFill>
@@ -2018,7 +1853,7 @@
         </p:nvSpPr>
         <p:spPr>
           <a:xfrm>
-            <a:off x="4080354" y="3609643"/>
+            <a:off x="3546361" y="3640263"/>
             <a:ext cx="1122431" cy="870408"/>
           </a:xfrm>
           <a:prstGeom prst="rect">
@@ -2051,7 +1886,7 @@
           <a:bodyPr rtlCol="0" anchor="ctr"/>
           <a:lstStyle/>
           <a:p>
-            <a:pPr marL="171450" indent="-171450" algn="ctr">
+            <a:pPr marL="171450" indent="-171450">
               <a:buFont typeface="Arial" panose="020B0604020202020204" pitchFamily="34" charset="0"/>
               <a:buChar char="•"/>
             </a:pPr>
@@ -2063,11 +1898,38 @@
                 <a:latin typeface="Arial" panose="020B0604020202020204" pitchFamily="34" charset="0"/>
                 <a:cs typeface="Arial" panose="020B0604020202020204" pitchFamily="34" charset="0"/>
               </a:rPr>
-              <a:t>Cociente de potencias de igual base.</a:t>
-            </a:r>
-          </a:p>
-          <a:p>
-            <a:pPr marL="171450" indent="-171450" algn="ctr">
+              <a:t>cociente </a:t>
+            </a:r>
+            <a:r>
+              <a:rPr lang="es-ES" sz="900" dirty="0" smtClean="0">
+                <a:solidFill>
+                  <a:schemeClr val="tx1"/>
+                </a:solidFill>
+                <a:latin typeface="Arial" panose="020B0604020202020204" pitchFamily="34" charset="0"/>
+                <a:cs typeface="Arial" panose="020B0604020202020204" pitchFamily="34" charset="0"/>
+              </a:rPr>
+              <a:t>de potencias de igual </a:t>
+            </a:r>
+            <a:r>
+              <a:rPr lang="es-ES" sz="900" dirty="0" smtClean="0">
+                <a:solidFill>
+                  <a:schemeClr val="tx1"/>
+                </a:solidFill>
+                <a:latin typeface="Arial" panose="020B0604020202020204" pitchFamily="34" charset="0"/>
+                <a:cs typeface="Arial" panose="020B0604020202020204" pitchFamily="34" charset="0"/>
+              </a:rPr>
+              <a:t>base</a:t>
+            </a:r>
+            <a:endParaRPr lang="es-ES" sz="900" dirty="0" smtClean="0">
+              <a:solidFill>
+                <a:schemeClr val="tx1"/>
+              </a:solidFill>
+              <a:latin typeface="Arial" panose="020B0604020202020204" pitchFamily="34" charset="0"/>
+              <a:cs typeface="Arial" panose="020B0604020202020204" pitchFamily="34" charset="0"/>
+            </a:endParaRPr>
+          </a:p>
+          <a:p>
+            <a:pPr marL="171450" indent="-171450">
               <a:buFont typeface="Arial" panose="020B0604020202020204" pitchFamily="34" charset="0"/>
               <a:buChar char="•"/>
             </a:pPr>
@@ -2079,7 +1941,17 @@
                 <a:latin typeface="Arial" panose="020B0604020202020204" pitchFamily="34" charset="0"/>
                 <a:cs typeface="Arial" panose="020B0604020202020204" pitchFamily="34" charset="0"/>
               </a:rPr>
-              <a:t>Potencia de un cociente</a:t>
+              <a:t>potencia </a:t>
+            </a:r>
+            <a:r>
+              <a:rPr lang="es-ES" sz="900" dirty="0" smtClean="0">
+                <a:solidFill>
+                  <a:schemeClr val="tx1"/>
+                </a:solidFill>
+                <a:latin typeface="Arial" panose="020B0604020202020204" pitchFamily="34" charset="0"/>
+                <a:cs typeface="Arial" panose="020B0604020202020204" pitchFamily="34" charset="0"/>
+              </a:rPr>
+              <a:t>de un cociente</a:t>
             </a:r>
             <a:endParaRPr lang="es-ES" sz="900" dirty="0">
               <a:solidFill>
@@ -2091,46 +1963,6 @@
           </a:p>
         </p:txBody>
       </p:sp>
-      <p:cxnSp>
-        <p:nvCxnSpPr>
-          <p:cNvPr id="262" name="Conector angular 261"/>
-          <p:cNvCxnSpPr>
-            <a:stCxn id="256" idx="2"/>
-            <a:endCxn id="257" idx="0"/>
-          </p:cNvCxnSpPr>
-          <p:nvPr/>
-        </p:nvCxnSpPr>
-        <p:spPr>
-          <a:xfrm rot="16200000" flipH="1">
-            <a:off x="4376236" y="3344309"/>
-            <a:ext cx="520158" cy="10510"/>
-          </a:xfrm>
-          <a:prstGeom prst="bentConnector3">
-            <a:avLst>
-              <a:gd name="adj1" fmla="val 50000"/>
-            </a:avLst>
-          </a:prstGeom>
-          <a:ln w="12700">
-            <a:solidFill>
-              <a:schemeClr val="tx1"/>
-            </a:solidFill>
-          </a:ln>
-        </p:spPr>
-        <p:style>
-          <a:lnRef idx="1">
-            <a:schemeClr val="accent1"/>
-          </a:lnRef>
-          <a:fillRef idx="0">
-            <a:schemeClr val="accent1"/>
-          </a:fillRef>
-          <a:effectRef idx="0">
-            <a:schemeClr val="accent1"/>
-          </a:effectRef>
-          <a:fontRef idx="minor">
-            <a:schemeClr val="tx1"/>
-          </a:fontRef>
-        </p:style>
-      </p:cxnSp>
       <p:sp>
         <p:nvSpPr>
           <p:cNvPr id="335" name="Rectángulo 334" descr="Nodo de primer nivel" title="Nodo01"/>
@@ -2139,7 +1971,7 @@
         </p:nvSpPr>
         <p:spPr>
           <a:xfrm>
-            <a:off x="7445779" y="972456"/>
+            <a:off x="7404082" y="953479"/>
             <a:ext cx="1124746" cy="439782"/>
           </a:xfrm>
           <a:prstGeom prst="rect">
@@ -2185,7 +2017,14 @@
                 <a:latin typeface="Arial" panose="020B0604020202020204" pitchFamily="34" charset="0"/>
                 <a:cs typeface="Arial" panose="020B0604020202020204" pitchFamily="34" charset="0"/>
               </a:rPr>
-              <a:t>Polinomios Aritméticos </a:t>
+              <a:t>Polinomios </a:t>
+            </a:r>
+            <a:r>
+              <a:rPr lang="es-ES" sz="1200" b="1" dirty="0" smtClean="0">
+                <a:latin typeface="Arial" panose="020B0604020202020204" pitchFamily="34" charset="0"/>
+                <a:cs typeface="Arial" panose="020B0604020202020204" pitchFamily="34" charset="0"/>
+              </a:rPr>
+              <a:t>aritméticos </a:t>
             </a:r>
             <a:endParaRPr lang="es-ES" sz="1200" b="1" dirty="0">
               <a:latin typeface="Arial" panose="020B0604020202020204" pitchFamily="34" charset="0"/>
@@ -2194,44 +2033,6 @@
           </a:p>
         </p:txBody>
       </p:sp>
-      <p:cxnSp>
-        <p:nvCxnSpPr>
-          <p:cNvPr id="336" name="Conector angular 335"/>
-          <p:cNvCxnSpPr>
-            <a:stCxn id="4" idx="2"/>
-            <a:endCxn id="376" idx="0"/>
-          </p:cNvCxnSpPr>
-          <p:nvPr/>
-        </p:nvCxnSpPr>
-        <p:spPr>
-          <a:xfrm rot="16200000" flipH="1">
-            <a:off x="6254377" y="-1071644"/>
-            <a:ext cx="249838" cy="3255398"/>
-          </a:xfrm>
-          <a:prstGeom prst="bentConnector3">
-            <a:avLst/>
-          </a:prstGeom>
-          <a:ln w="12700">
-            <a:solidFill>
-              <a:schemeClr val="tx1"/>
-            </a:solidFill>
-          </a:ln>
-        </p:spPr>
-        <p:style>
-          <a:lnRef idx="1">
-            <a:schemeClr val="accent1"/>
-          </a:lnRef>
-          <a:fillRef idx="0">
-            <a:schemeClr val="accent1"/>
-          </a:fillRef>
-          <a:effectRef idx="0">
-            <a:schemeClr val="accent1"/>
-          </a:effectRef>
-          <a:fontRef idx="minor">
-            <a:schemeClr val="tx1"/>
-          </a:fontRef>
-        </p:style>
-      </p:cxnSp>
       <p:sp>
         <p:nvSpPr>
           <p:cNvPr id="337" name="CuadroTexto 336" descr="Conector entre nodos" title="conector"/>
@@ -2260,7 +2061,14 @@
                 <a:latin typeface="Arial" panose="020B0604020202020204" pitchFamily="34" charset="0"/>
                 <a:cs typeface="Arial" panose="020B0604020202020204" pitchFamily="34" charset="0"/>
               </a:rPr>
-              <a:t>Definidos por</a:t>
+              <a:t>definidos </a:t>
+            </a:r>
+            <a:r>
+              <a:rPr lang="es-ES" sz="900" dirty="0" smtClean="0">
+                <a:latin typeface="Arial" panose="020B0604020202020204" pitchFamily="34" charset="0"/>
+                <a:cs typeface="Arial" panose="020B0604020202020204" pitchFamily="34" charset="0"/>
+              </a:rPr>
+              <a:t>por</a:t>
             </a:r>
             <a:endParaRPr lang="es-ES" sz="900" dirty="0">
               <a:latin typeface="Arial" panose="020B0604020202020204" pitchFamily="34" charset="0"/>
@@ -2269,46 +2077,6 @@
           </a:p>
         </p:txBody>
       </p:sp>
-      <p:cxnSp>
-        <p:nvCxnSpPr>
-          <p:cNvPr id="338" name="Conector angular 337"/>
-          <p:cNvCxnSpPr>
-            <a:stCxn id="335" idx="2"/>
-            <a:endCxn id="337" idx="0"/>
-          </p:cNvCxnSpPr>
-          <p:nvPr/>
-        </p:nvCxnSpPr>
-        <p:spPr>
-          <a:xfrm rot="16200000" flipH="1">
-            <a:off x="7966536" y="1453854"/>
-            <a:ext cx="85581" cy="2348"/>
-          </a:xfrm>
-          <a:prstGeom prst="bentConnector3">
-            <a:avLst>
-              <a:gd name="adj1" fmla="val 50000"/>
-            </a:avLst>
-          </a:prstGeom>
-          <a:ln w="12700">
-            <a:solidFill>
-              <a:schemeClr val="tx1"/>
-            </a:solidFill>
-          </a:ln>
-        </p:spPr>
-        <p:style>
-          <a:lnRef idx="1">
-            <a:schemeClr val="accent1"/>
-          </a:lnRef>
-          <a:fillRef idx="0">
-            <a:schemeClr val="accent1"/>
-          </a:fillRef>
-          <a:effectRef idx="0">
-            <a:schemeClr val="accent1"/>
-          </a:effectRef>
-          <a:fontRef idx="minor">
-            <a:schemeClr val="tx1"/>
-          </a:fontRef>
-        </p:style>
-      </p:cxnSp>
       <p:sp>
         <p:nvSpPr>
           <p:cNvPr id="339" name="Rectángulo 338" descr="Nodo de segundo nivel" title="Nodo02"/>
@@ -2317,8 +2085,8 @@
         </p:nvSpPr>
         <p:spPr>
           <a:xfrm>
-            <a:off x="7445779" y="1830526"/>
-            <a:ext cx="1124746" cy="597928"/>
+            <a:off x="7049730" y="1815059"/>
+            <a:ext cx="1479098" cy="480062"/>
           </a:xfrm>
           <a:prstGeom prst="rect">
             <a:avLst/>
@@ -2354,6 +2122,16 @@
           <a:p>
             <a:pPr algn="ctr"/>
             <a:r>
+              <a:rPr lang="es-ES" sz="1050" dirty="0">
+                <a:solidFill>
+                  <a:schemeClr val="bg1"/>
+                </a:solidFill>
+                <a:latin typeface="Arial" panose="020B0604020202020204" pitchFamily="34" charset="0"/>
+                <a:cs typeface="Arial" panose="020B0604020202020204" pitchFamily="34" charset="0"/>
+              </a:rPr>
+              <a:t>o</a:t>
+            </a:r>
+            <a:r>
               <a:rPr lang="es-ES" sz="1050" dirty="0" smtClean="0">
                 <a:solidFill>
                   <a:schemeClr val="bg1"/>
@@ -2361,7 +2139,17 @@
                 <a:latin typeface="Arial" panose="020B0604020202020204" pitchFamily="34" charset="0"/>
                 <a:cs typeface="Arial" panose="020B0604020202020204" pitchFamily="34" charset="0"/>
               </a:rPr>
-              <a:t>Operaciones básicas, potencias y raíces</a:t>
+              <a:t>peraciones </a:t>
+            </a:r>
+            <a:r>
+              <a:rPr lang="es-ES" sz="1050" dirty="0" smtClean="0">
+                <a:solidFill>
+                  <a:schemeClr val="bg1"/>
+                </a:solidFill>
+                <a:latin typeface="Arial" panose="020B0604020202020204" pitchFamily="34" charset="0"/>
+                <a:cs typeface="Arial" panose="020B0604020202020204" pitchFamily="34" charset="0"/>
+              </a:rPr>
+              <a:t>básicas, potencias y raíces</a:t>
             </a:r>
             <a:endParaRPr lang="es-ES" sz="1050" dirty="0">
               <a:solidFill>
@@ -2373,46 +2161,6 @@
           </a:p>
         </p:txBody>
       </p:sp>
-      <p:cxnSp>
-        <p:nvCxnSpPr>
-          <p:cNvPr id="340" name="Conector angular 339"/>
-          <p:cNvCxnSpPr>
-            <a:stCxn id="337" idx="2"/>
-            <a:endCxn id="339" idx="0"/>
-          </p:cNvCxnSpPr>
-          <p:nvPr/>
-        </p:nvCxnSpPr>
-        <p:spPr>
-          <a:xfrm rot="5400000">
-            <a:off x="7958389" y="1778414"/>
-            <a:ext cx="101875" cy="2348"/>
-          </a:xfrm>
-          <a:prstGeom prst="bentConnector3">
-            <a:avLst>
-              <a:gd name="adj1" fmla="val 50000"/>
-            </a:avLst>
-          </a:prstGeom>
-          <a:ln w="12700">
-            <a:solidFill>
-              <a:schemeClr val="tx1"/>
-            </a:solidFill>
-          </a:ln>
-        </p:spPr>
-        <p:style>
-          <a:lnRef idx="1">
-            <a:schemeClr val="accent1"/>
-          </a:lnRef>
-          <a:fillRef idx="0">
-            <a:schemeClr val="accent1"/>
-          </a:fillRef>
-          <a:effectRef idx="0">
-            <a:schemeClr val="accent1"/>
-          </a:effectRef>
-          <a:fontRef idx="minor">
-            <a:schemeClr val="tx1"/>
-          </a:fontRef>
-        </p:style>
-      </p:cxnSp>
       <p:sp>
         <p:nvSpPr>
           <p:cNvPr id="228" name="Rectángulo 227" descr="Nodo de segundo nivel" title="Nodo02"/>
@@ -2421,7 +2169,7 @@
         </p:nvSpPr>
         <p:spPr>
           <a:xfrm>
-            <a:off x="3360405" y="1862055"/>
+            <a:off x="2671761" y="1871104"/>
             <a:ext cx="1124746" cy="357473"/>
           </a:xfrm>
           <a:prstGeom prst="rect">
@@ -2465,7 +2213,7 @@
                 <a:latin typeface="Arial" panose="020B0604020202020204" pitchFamily="34" charset="0"/>
                 <a:cs typeface="Arial" panose="020B0604020202020204" pitchFamily="34" charset="0"/>
               </a:rPr>
-              <a:t>Propiedades</a:t>
+              <a:t>propiedades</a:t>
             </a:r>
             <a:endParaRPr lang="es-ES" sz="1050" dirty="0">
               <a:solidFill>
@@ -2477,46 +2225,6 @@
           </a:p>
         </p:txBody>
       </p:sp>
-      <p:cxnSp>
-        <p:nvCxnSpPr>
-          <p:cNvPr id="229" name="Conector angular 228"/>
-          <p:cNvCxnSpPr>
-            <a:stCxn id="230" idx="2"/>
-            <a:endCxn id="228" idx="0"/>
-          </p:cNvCxnSpPr>
-          <p:nvPr/>
-        </p:nvCxnSpPr>
-        <p:spPr>
-          <a:xfrm rot="16200000" flipH="1">
-            <a:off x="3855931" y="1795208"/>
-            <a:ext cx="133404" cy="290"/>
-          </a:xfrm>
-          <a:prstGeom prst="bentConnector3">
-            <a:avLst>
-              <a:gd name="adj1" fmla="val 50000"/>
-            </a:avLst>
-          </a:prstGeom>
-          <a:ln w="12700">
-            <a:solidFill>
-              <a:schemeClr val="tx1"/>
-            </a:solidFill>
-          </a:ln>
-        </p:spPr>
-        <p:style>
-          <a:lnRef idx="1">
-            <a:schemeClr val="accent1"/>
-          </a:lnRef>
-          <a:fillRef idx="0">
-            <a:schemeClr val="accent1"/>
-          </a:fillRef>
-          <a:effectRef idx="0">
-            <a:schemeClr val="accent1"/>
-          </a:effectRef>
-          <a:fontRef idx="minor">
-            <a:schemeClr val="tx1"/>
-          </a:fontRef>
-        </p:style>
-      </p:cxnSp>
       <p:sp>
         <p:nvSpPr>
           <p:cNvPr id="230" name="CuadroTexto 229" descr="Conector entre nodos" title="conector"/>
@@ -2525,7 +2233,7 @@
         </p:nvSpPr>
         <p:spPr>
           <a:xfrm>
-            <a:off x="3276442" y="1497819"/>
+            <a:off x="2566560" y="1500810"/>
             <a:ext cx="1292092" cy="230832"/>
           </a:xfrm>
           <a:prstGeom prst="rect">
@@ -2545,7 +2253,7 @@
                 <a:latin typeface="Arial" panose="020B0604020202020204" pitchFamily="34" charset="0"/>
                 <a:cs typeface="Arial" panose="020B0604020202020204" pitchFamily="34" charset="0"/>
               </a:rPr>
-              <a:t>Caracterizadas por</a:t>
+              <a:t>se establecen</a:t>
             </a:r>
             <a:endParaRPr lang="es-ES" sz="900" dirty="0">
               <a:latin typeface="Arial" panose="020B0604020202020204" pitchFamily="34" charset="0"/>
@@ -2565,8 +2273,8 @@
         </p:nvCxnSpPr>
         <p:spPr>
           <a:xfrm rot="16200000" flipH="1">
-            <a:off x="3451537" y="1026868"/>
-            <a:ext cx="98942" cy="842960"/>
+            <a:off x="2687636" y="975839"/>
+            <a:ext cx="225113" cy="824827"/>
           </a:xfrm>
           <a:prstGeom prst="bentConnector3">
             <a:avLst>
@@ -2594,16 +2302,694 @@
           </a:fontRef>
         </p:style>
       </p:cxnSp>
+      <p:sp>
+        <p:nvSpPr>
+          <p:cNvPr id="249" name="CuadroTexto 248" descr="Conector entre nodos" title="conector"/>
+          <p:cNvSpPr txBox="1"/>
+          <p:nvPr/>
+        </p:nvSpPr>
+        <p:spPr>
+          <a:xfrm>
+            <a:off x="2689495" y="2516190"/>
+            <a:ext cx="1117174" cy="230836"/>
+          </a:xfrm>
+          <a:prstGeom prst="rect">
+            <a:avLst/>
+          </a:prstGeom>
+          <a:noFill/>
+        </p:spPr>
+        <p:txBody>
+          <a:bodyPr wrap="square" rtlCol="0">
+            <a:spAutoFit/>
+          </a:bodyPr>
+          <a:lstStyle/>
+          <a:p>
+            <a:pPr algn="ctr"/>
+            <a:r>
+              <a:rPr lang="es-ES" sz="900" dirty="0" smtClean="0">
+                <a:latin typeface="Arial" panose="020B0604020202020204" pitchFamily="34" charset="0"/>
+                <a:cs typeface="Arial" panose="020B0604020202020204" pitchFamily="34" charset="0"/>
+              </a:rPr>
+              <a:t>entre</a:t>
+            </a:r>
+            <a:endParaRPr lang="es-ES" sz="900" dirty="0">
+              <a:latin typeface="Arial" panose="020B0604020202020204" pitchFamily="34" charset="0"/>
+              <a:cs typeface="Arial" panose="020B0604020202020204" pitchFamily="34" charset="0"/>
+            </a:endParaRPr>
+          </a:p>
+        </p:txBody>
+      </p:sp>
+      <p:sp>
+        <p:nvSpPr>
+          <p:cNvPr id="253" name="Rectángulo 252" descr="Nodo de tercer nivel" title="Nodo03"/>
+          <p:cNvSpPr/>
+          <p:nvPr/>
+        </p:nvSpPr>
+        <p:spPr>
+          <a:xfrm>
+            <a:off x="2128589" y="2896211"/>
+            <a:ext cx="1015493" cy="285641"/>
+          </a:xfrm>
+          <a:prstGeom prst="rect">
+            <a:avLst/>
+          </a:prstGeom>
+          <a:solidFill>
+            <a:schemeClr val="bg2">
+              <a:lumMod val="90000"/>
+            </a:schemeClr>
+          </a:solidFill>
+          <a:ln>
+            <a:solidFill>
+              <a:schemeClr val="tx1"/>
+            </a:solidFill>
+          </a:ln>
+        </p:spPr>
+        <p:style>
+          <a:lnRef idx="2">
+            <a:schemeClr val="accent6"/>
+          </a:lnRef>
+          <a:fillRef idx="1">
+            <a:schemeClr val="lt1"/>
+          </a:fillRef>
+          <a:effectRef idx="0">
+            <a:schemeClr val="accent6"/>
+          </a:effectRef>
+          <a:fontRef idx="minor">
+            <a:schemeClr val="dk1"/>
+          </a:fontRef>
+        </p:style>
+        <p:txBody>
+          <a:bodyPr rtlCol="0" anchor="ctr"/>
+          <a:lstStyle/>
+          <a:p>
+            <a:pPr algn="ctr"/>
+            <a:r>
+              <a:rPr lang="es-ES" sz="900" dirty="0" smtClean="0">
+                <a:solidFill>
+                  <a:schemeClr val="tx1"/>
+                </a:solidFill>
+                <a:latin typeface="Arial" panose="020B0604020202020204" pitchFamily="34" charset="0"/>
+                <a:cs typeface="Arial" panose="020B0604020202020204" pitchFamily="34" charset="0"/>
+              </a:rPr>
+              <a:t>productos</a:t>
+            </a:r>
+            <a:endParaRPr lang="es-ES" sz="900" dirty="0">
+              <a:solidFill>
+                <a:schemeClr val="tx1"/>
+              </a:solidFill>
+              <a:latin typeface="Arial" panose="020B0604020202020204" pitchFamily="34" charset="0"/>
+              <a:cs typeface="Arial" panose="020B0604020202020204" pitchFamily="34" charset="0"/>
+            </a:endParaRPr>
+          </a:p>
+        </p:txBody>
+      </p:sp>
+      <p:sp>
+        <p:nvSpPr>
+          <p:cNvPr id="255" name="Rectángulo 254" descr="Nodo de cuarto nivel&#10;" title="Nodo04"/>
+          <p:cNvSpPr/>
+          <p:nvPr/>
+        </p:nvSpPr>
+        <p:spPr>
+          <a:xfrm>
+            <a:off x="2125651" y="3640263"/>
+            <a:ext cx="1122431" cy="1096640"/>
+          </a:xfrm>
+          <a:prstGeom prst="rect">
+            <a:avLst/>
+          </a:prstGeom>
+          <a:solidFill>
+            <a:schemeClr val="bg1"/>
+          </a:solidFill>
+          <a:ln>
+            <a:solidFill>
+              <a:schemeClr val="tx1"/>
+            </a:solidFill>
+          </a:ln>
+        </p:spPr>
+        <p:style>
+          <a:lnRef idx="2">
+            <a:schemeClr val="accent6"/>
+          </a:lnRef>
+          <a:fillRef idx="1">
+            <a:schemeClr val="lt1"/>
+          </a:fillRef>
+          <a:effectRef idx="0">
+            <a:schemeClr val="accent6"/>
+          </a:effectRef>
+          <a:fontRef idx="minor">
+            <a:schemeClr val="dk1"/>
+          </a:fontRef>
+        </p:style>
+        <p:txBody>
+          <a:bodyPr rtlCol="0" anchor="ctr"/>
+          <a:lstStyle/>
+          <a:p>
+            <a:pPr indent="7938">
+              <a:buFont typeface="Arial" panose="020B0604020202020204" pitchFamily="34" charset="0"/>
+              <a:buChar char="•"/>
+            </a:pPr>
+            <a:r>
+              <a:rPr lang="es-ES" sz="900" dirty="0" smtClean="0">
+                <a:solidFill>
+                  <a:schemeClr val="tx1"/>
+                </a:solidFill>
+                <a:latin typeface="Arial" panose="020B0604020202020204" pitchFamily="34" charset="0"/>
+                <a:cs typeface="Arial" panose="020B0604020202020204" pitchFamily="34" charset="0"/>
+              </a:rPr>
+              <a:t> </a:t>
+            </a:r>
+            <a:r>
+              <a:rPr lang="es-ES" sz="900" dirty="0" smtClean="0">
+                <a:solidFill>
+                  <a:schemeClr val="tx1"/>
+                </a:solidFill>
+                <a:latin typeface="Arial" panose="020B0604020202020204" pitchFamily="34" charset="0"/>
+                <a:cs typeface="Arial" panose="020B0604020202020204" pitchFamily="34" charset="0"/>
+              </a:rPr>
+              <a:t>el </a:t>
+            </a:r>
+            <a:r>
+              <a:rPr lang="es-ES" sz="900" dirty="0" smtClean="0">
+                <a:solidFill>
+                  <a:schemeClr val="tx1"/>
+                </a:solidFill>
+                <a:latin typeface="Arial" panose="020B0604020202020204" pitchFamily="34" charset="0"/>
+                <a:cs typeface="Arial" panose="020B0604020202020204" pitchFamily="34" charset="0"/>
+              </a:rPr>
+              <a:t>producto </a:t>
+            </a:r>
+            <a:r>
+              <a:rPr lang="es-ES" sz="900" dirty="0" smtClean="0">
+                <a:solidFill>
+                  <a:schemeClr val="tx1"/>
+                </a:solidFill>
+                <a:latin typeface="Arial" panose="020B0604020202020204" pitchFamily="34" charset="0"/>
+                <a:cs typeface="Arial" panose="020B0604020202020204" pitchFamily="34" charset="0"/>
+              </a:rPr>
+              <a:t>de potencias de igual base</a:t>
+            </a:r>
+          </a:p>
+          <a:p>
+            <a:pPr indent="7938">
+              <a:buFont typeface="Arial" panose="020B0604020202020204" pitchFamily="34" charset="0"/>
+              <a:buChar char="•"/>
+            </a:pPr>
+            <a:r>
+              <a:rPr lang="es-ES" sz="900" dirty="0" smtClean="0">
+                <a:solidFill>
+                  <a:schemeClr val="tx1"/>
+                </a:solidFill>
+                <a:latin typeface="Arial" panose="020B0604020202020204" pitchFamily="34" charset="0"/>
+                <a:cs typeface="Arial" panose="020B0604020202020204" pitchFamily="34" charset="0"/>
+              </a:rPr>
+              <a:t> </a:t>
+            </a:r>
+            <a:r>
+              <a:rPr lang="es-ES" sz="900" dirty="0" smtClean="0">
+                <a:solidFill>
+                  <a:schemeClr val="tx1"/>
+                </a:solidFill>
+                <a:latin typeface="Arial" panose="020B0604020202020204" pitchFamily="34" charset="0"/>
+                <a:cs typeface="Arial" panose="020B0604020202020204" pitchFamily="34" charset="0"/>
+              </a:rPr>
+              <a:t>la potencia </a:t>
+            </a:r>
+            <a:r>
+              <a:rPr lang="es-ES" sz="900" dirty="0" smtClean="0">
+                <a:solidFill>
+                  <a:schemeClr val="tx1"/>
+                </a:solidFill>
+                <a:latin typeface="Arial" panose="020B0604020202020204" pitchFamily="34" charset="0"/>
+                <a:cs typeface="Arial" panose="020B0604020202020204" pitchFamily="34" charset="0"/>
+              </a:rPr>
+              <a:t>de un </a:t>
+            </a:r>
+            <a:r>
+              <a:rPr lang="es-ES" sz="900" dirty="0" smtClean="0">
+                <a:solidFill>
+                  <a:schemeClr val="tx1"/>
+                </a:solidFill>
+                <a:latin typeface="Arial" panose="020B0604020202020204" pitchFamily="34" charset="0"/>
+                <a:cs typeface="Arial" panose="020B0604020202020204" pitchFamily="34" charset="0"/>
+              </a:rPr>
+              <a:t>producto</a:t>
+            </a:r>
+            <a:endParaRPr lang="es-ES" sz="900" dirty="0" smtClean="0">
+              <a:solidFill>
+                <a:schemeClr val="tx1"/>
+              </a:solidFill>
+              <a:latin typeface="Arial" panose="020B0604020202020204" pitchFamily="34" charset="0"/>
+              <a:cs typeface="Arial" panose="020B0604020202020204" pitchFamily="34" charset="0"/>
+            </a:endParaRPr>
+          </a:p>
+          <a:p>
+            <a:pPr indent="7938">
+              <a:buFont typeface="Arial" panose="020B0604020202020204" pitchFamily="34" charset="0"/>
+              <a:buChar char="•"/>
+            </a:pPr>
+            <a:r>
+              <a:rPr lang="es-ES" sz="900" dirty="0" smtClean="0">
+                <a:solidFill>
+                  <a:schemeClr val="tx1"/>
+                </a:solidFill>
+                <a:latin typeface="Arial" panose="020B0604020202020204" pitchFamily="34" charset="0"/>
+                <a:cs typeface="Arial" panose="020B0604020202020204" pitchFamily="34" charset="0"/>
+              </a:rPr>
+              <a:t> </a:t>
+            </a:r>
+            <a:r>
+              <a:rPr lang="es-ES" sz="900" dirty="0" smtClean="0">
+                <a:solidFill>
+                  <a:schemeClr val="tx1"/>
+                </a:solidFill>
+                <a:latin typeface="Arial" panose="020B0604020202020204" pitchFamily="34" charset="0"/>
+                <a:cs typeface="Arial" panose="020B0604020202020204" pitchFamily="34" charset="0"/>
+              </a:rPr>
+              <a:t>la potencia </a:t>
+            </a:r>
+            <a:r>
+              <a:rPr lang="es-ES" sz="900" dirty="0" smtClean="0">
+                <a:solidFill>
+                  <a:schemeClr val="tx1"/>
+                </a:solidFill>
+                <a:latin typeface="Arial" panose="020B0604020202020204" pitchFamily="34" charset="0"/>
+                <a:cs typeface="Arial" panose="020B0604020202020204" pitchFamily="34" charset="0"/>
+              </a:rPr>
+              <a:t>de una potencia</a:t>
+            </a:r>
+            <a:endParaRPr lang="es-ES" sz="900" dirty="0">
+              <a:solidFill>
+                <a:schemeClr val="tx1"/>
+              </a:solidFill>
+              <a:latin typeface="Arial" panose="020B0604020202020204" pitchFamily="34" charset="0"/>
+              <a:cs typeface="Arial" panose="020B0604020202020204" pitchFamily="34" charset="0"/>
+            </a:endParaRPr>
+          </a:p>
+        </p:txBody>
+      </p:sp>
+      <p:sp>
+        <p:nvSpPr>
+          <p:cNvPr id="295" name="Rectángulo 294" descr="Nodo de quinto nivel" title="Nodo05"/>
+          <p:cNvSpPr/>
+          <p:nvPr/>
+        </p:nvSpPr>
+        <p:spPr>
+          <a:xfrm>
+            <a:off x="1939766" y="5166500"/>
+            <a:ext cx="1337751" cy="608994"/>
+          </a:xfrm>
+          <a:prstGeom prst="rect">
+            <a:avLst/>
+          </a:prstGeom>
+          <a:solidFill>
+            <a:schemeClr val="bg1"/>
+          </a:solidFill>
+          <a:ln>
+            <a:solidFill>
+              <a:schemeClr val="tx1"/>
+            </a:solidFill>
+          </a:ln>
+        </p:spPr>
+        <p:style>
+          <a:lnRef idx="2">
+            <a:schemeClr val="accent6"/>
+          </a:lnRef>
+          <a:fillRef idx="1">
+            <a:schemeClr val="lt1"/>
+          </a:fillRef>
+          <a:effectRef idx="0">
+            <a:schemeClr val="accent6"/>
+          </a:effectRef>
+          <a:fontRef idx="minor">
+            <a:schemeClr val="dk1"/>
+          </a:fontRef>
+        </p:style>
+        <p:txBody>
+          <a:bodyPr rtlCol="0" anchor="ctr"/>
+          <a:lstStyle/>
+          <a:p>
+            <a:pPr algn="ctr"/>
+            <a:r>
+              <a:rPr lang="es-ES" sz="900" dirty="0" smtClean="0">
+                <a:solidFill>
+                  <a:schemeClr val="tx1"/>
+                </a:solidFill>
+                <a:latin typeface="Arial" panose="020B0604020202020204" pitchFamily="34" charset="0"/>
+                <a:cs typeface="Arial" panose="020B0604020202020204" pitchFamily="34" charset="0"/>
+              </a:rPr>
+              <a:t>para s</a:t>
+            </a:r>
+            <a:r>
+              <a:rPr lang="es-ES" sz="900" dirty="0" smtClean="0">
+                <a:solidFill>
+                  <a:schemeClr val="tx1"/>
+                </a:solidFill>
+                <a:latin typeface="Arial" panose="020B0604020202020204" pitchFamily="34" charset="0"/>
+                <a:cs typeface="Arial" panose="020B0604020202020204" pitchFamily="34" charset="0"/>
+              </a:rPr>
+              <a:t>implificar </a:t>
+            </a:r>
+            <a:r>
+              <a:rPr lang="es-ES" sz="900" dirty="0" smtClean="0">
+                <a:solidFill>
+                  <a:schemeClr val="tx1"/>
+                </a:solidFill>
+                <a:latin typeface="Arial" panose="020B0604020202020204" pitchFamily="34" charset="0"/>
+                <a:cs typeface="Arial" panose="020B0604020202020204" pitchFamily="34" charset="0"/>
+              </a:rPr>
+              <a:t>expresiones con potencias y productos</a:t>
+            </a:r>
+            <a:endParaRPr lang="es-ES" sz="900" dirty="0">
+              <a:solidFill>
+                <a:schemeClr val="tx1"/>
+              </a:solidFill>
+              <a:latin typeface="Arial" panose="020B0604020202020204" pitchFamily="34" charset="0"/>
+              <a:cs typeface="Arial" panose="020B0604020202020204" pitchFamily="34" charset="0"/>
+            </a:endParaRPr>
+          </a:p>
+        </p:txBody>
+      </p:sp>
+      <p:sp>
+        <p:nvSpPr>
+          <p:cNvPr id="296" name="CuadroTexto 295" descr="Conector entre nodos" title="conector"/>
+          <p:cNvSpPr txBox="1"/>
+          <p:nvPr/>
+        </p:nvSpPr>
+        <p:spPr>
+          <a:xfrm>
+            <a:off x="2113174" y="4851518"/>
+            <a:ext cx="1117174" cy="230832"/>
+          </a:xfrm>
+          <a:prstGeom prst="rect">
+            <a:avLst/>
+          </a:prstGeom>
+          <a:noFill/>
+        </p:spPr>
+        <p:txBody>
+          <a:bodyPr wrap="square" rtlCol="0">
+            <a:spAutoFit/>
+          </a:bodyPr>
+          <a:lstStyle/>
+          <a:p>
+            <a:pPr algn="ctr"/>
+            <a:r>
+              <a:rPr lang="es-ES" sz="900" dirty="0" smtClean="0">
+                <a:latin typeface="Arial" panose="020B0604020202020204" pitchFamily="34" charset="0"/>
+                <a:cs typeface="Arial" panose="020B0604020202020204" pitchFamily="34" charset="0"/>
+              </a:rPr>
+              <a:t>se aplican</a:t>
+            </a:r>
+            <a:endParaRPr lang="es-ES" sz="900" dirty="0">
+              <a:latin typeface="Arial" panose="020B0604020202020204" pitchFamily="34" charset="0"/>
+              <a:cs typeface="Arial" panose="020B0604020202020204" pitchFamily="34" charset="0"/>
+            </a:endParaRPr>
+          </a:p>
+        </p:txBody>
+      </p:sp>
+      <p:sp>
+        <p:nvSpPr>
+          <p:cNvPr id="299" name="Rectángulo 298" descr="Nodo de quinto nivel" title="Nodo05"/>
+          <p:cNvSpPr/>
+          <p:nvPr/>
+        </p:nvSpPr>
+        <p:spPr>
+          <a:xfrm>
+            <a:off x="3489215" y="5157794"/>
+            <a:ext cx="1118927" cy="683069"/>
+          </a:xfrm>
+          <a:prstGeom prst="rect">
+            <a:avLst/>
+          </a:prstGeom>
+          <a:solidFill>
+            <a:schemeClr val="bg1"/>
+          </a:solidFill>
+          <a:ln>
+            <a:solidFill>
+              <a:schemeClr val="tx1"/>
+            </a:solidFill>
+          </a:ln>
+        </p:spPr>
+        <p:style>
+          <a:lnRef idx="2">
+            <a:schemeClr val="accent6"/>
+          </a:lnRef>
+          <a:fillRef idx="1">
+            <a:schemeClr val="lt1"/>
+          </a:fillRef>
+          <a:effectRef idx="0">
+            <a:schemeClr val="accent6"/>
+          </a:effectRef>
+          <a:fontRef idx="minor">
+            <a:schemeClr val="dk1"/>
+          </a:fontRef>
+        </p:style>
+        <p:txBody>
+          <a:bodyPr rtlCol="0" anchor="ctr"/>
+          <a:lstStyle/>
+          <a:p>
+            <a:pPr algn="ctr"/>
+            <a:r>
+              <a:rPr lang="es-ES" sz="900" dirty="0" smtClean="0">
+                <a:solidFill>
+                  <a:schemeClr val="tx1"/>
+                </a:solidFill>
+                <a:latin typeface="Arial" panose="020B0604020202020204" pitchFamily="34" charset="0"/>
+                <a:cs typeface="Arial" panose="020B0604020202020204" pitchFamily="34" charset="0"/>
+              </a:rPr>
+              <a:t>simplificar </a:t>
+            </a:r>
+            <a:r>
+              <a:rPr lang="es-ES" sz="900" dirty="0" smtClean="0">
+                <a:solidFill>
+                  <a:schemeClr val="tx1"/>
+                </a:solidFill>
+                <a:latin typeface="Arial" panose="020B0604020202020204" pitchFamily="34" charset="0"/>
+                <a:cs typeface="Arial" panose="020B0604020202020204" pitchFamily="34" charset="0"/>
+              </a:rPr>
+              <a:t>expresiones con potencias y cocientes</a:t>
+            </a:r>
+            <a:endParaRPr lang="es-ES" sz="900" dirty="0">
+              <a:solidFill>
+                <a:schemeClr val="tx1"/>
+              </a:solidFill>
+              <a:latin typeface="Arial" panose="020B0604020202020204" pitchFamily="34" charset="0"/>
+              <a:cs typeface="Arial" panose="020B0604020202020204" pitchFamily="34" charset="0"/>
+            </a:endParaRPr>
+          </a:p>
+        </p:txBody>
+      </p:sp>
+      <p:sp>
+        <p:nvSpPr>
+          <p:cNvPr id="300" name="CuadroTexto 299" descr="Conector entre nodos" title="conector"/>
+          <p:cNvSpPr txBox="1"/>
+          <p:nvPr/>
+        </p:nvSpPr>
+        <p:spPr>
+          <a:xfrm>
+            <a:off x="3559694" y="4820210"/>
+            <a:ext cx="1117174" cy="230832"/>
+          </a:xfrm>
+          <a:prstGeom prst="rect">
+            <a:avLst/>
+          </a:prstGeom>
+          <a:noFill/>
+        </p:spPr>
+        <p:txBody>
+          <a:bodyPr wrap="square" rtlCol="0">
+            <a:spAutoFit/>
+          </a:bodyPr>
+          <a:lstStyle/>
+          <a:p>
+            <a:pPr algn="ctr"/>
+            <a:r>
+              <a:rPr lang="es-ES" sz="900" dirty="0" smtClean="0">
+                <a:latin typeface="Arial" panose="020B0604020202020204" pitchFamily="34" charset="0"/>
+                <a:cs typeface="Arial" panose="020B0604020202020204" pitchFamily="34" charset="0"/>
+              </a:rPr>
+              <a:t>permiten</a:t>
+            </a:r>
+            <a:endParaRPr lang="es-ES" sz="900" dirty="0">
+              <a:latin typeface="Arial" panose="020B0604020202020204" pitchFamily="34" charset="0"/>
+              <a:cs typeface="Arial" panose="020B0604020202020204" pitchFamily="34" charset="0"/>
+            </a:endParaRPr>
+          </a:p>
+        </p:txBody>
+      </p:sp>
+      <p:sp>
+        <p:nvSpPr>
+          <p:cNvPr id="302" name="CuadroTexto 301" descr="Conector entre nodos" title="conector"/>
+          <p:cNvSpPr txBox="1"/>
+          <p:nvPr/>
+        </p:nvSpPr>
+        <p:spPr>
+          <a:xfrm>
+            <a:off x="4900364" y="1496657"/>
+            <a:ext cx="1122431" cy="230832"/>
+          </a:xfrm>
+          <a:prstGeom prst="rect">
+            <a:avLst/>
+          </a:prstGeom>
+          <a:noFill/>
+        </p:spPr>
+        <p:txBody>
+          <a:bodyPr wrap="square" rtlCol="0">
+            <a:spAutoFit/>
+          </a:bodyPr>
+          <a:lstStyle/>
+          <a:p>
+            <a:pPr algn="ctr"/>
+            <a:r>
+              <a:rPr lang="es-ES" sz="900" dirty="0" smtClean="0">
+                <a:latin typeface="Arial" panose="020B0604020202020204" pitchFamily="34" charset="0"/>
+                <a:cs typeface="Arial" panose="020B0604020202020204" pitchFamily="34" charset="0"/>
+              </a:rPr>
+              <a:t>es</a:t>
+            </a:r>
+            <a:endParaRPr lang="es-ES" sz="900" dirty="0">
+              <a:latin typeface="Arial" panose="020B0604020202020204" pitchFamily="34" charset="0"/>
+              <a:cs typeface="Arial" panose="020B0604020202020204" pitchFamily="34" charset="0"/>
+            </a:endParaRPr>
+          </a:p>
+        </p:txBody>
+      </p:sp>
+      <p:sp>
+        <p:nvSpPr>
+          <p:cNvPr id="304" name="Rectángulo 303" descr="Nodo de segundo nivel" title="Nodo02"/>
+          <p:cNvSpPr/>
+          <p:nvPr/>
+        </p:nvSpPr>
+        <p:spPr>
+          <a:xfrm>
+            <a:off x="4980175" y="1868645"/>
+            <a:ext cx="1288456" cy="497027"/>
+          </a:xfrm>
+          <a:prstGeom prst="rect">
+            <a:avLst/>
+          </a:prstGeom>
+          <a:solidFill>
+            <a:schemeClr val="bg2">
+              <a:lumMod val="50000"/>
+            </a:schemeClr>
+          </a:solidFill>
+          <a:ln>
+            <a:solidFill>
+              <a:schemeClr val="tx1"/>
+            </a:solidFill>
+          </a:ln>
+        </p:spPr>
+        <p:style>
+          <a:lnRef idx="2">
+            <a:schemeClr val="accent6"/>
+          </a:lnRef>
+          <a:fillRef idx="1">
+            <a:schemeClr val="lt1"/>
+          </a:fillRef>
+          <a:effectRef idx="0">
+            <a:schemeClr val="accent6"/>
+          </a:effectRef>
+          <a:fontRef idx="minor">
+            <a:schemeClr val="dk1"/>
+          </a:fontRef>
+        </p:style>
+        <p:txBody>
+          <a:bodyPr rtlCol="0" anchor="ctr"/>
+          <a:lstStyle/>
+          <a:p>
+            <a:pPr algn="ctr"/>
+            <a:r>
+              <a:rPr lang="es-ES" sz="1050" dirty="0" smtClean="0">
+                <a:solidFill>
+                  <a:schemeClr val="bg1"/>
+                </a:solidFill>
+                <a:latin typeface="Arial" panose="020B0604020202020204" pitchFamily="34" charset="0"/>
+                <a:cs typeface="Arial" panose="020B0604020202020204" pitchFamily="34" charset="0"/>
+              </a:rPr>
+              <a:t>la operación </a:t>
+            </a:r>
+            <a:r>
+              <a:rPr lang="es-ES" sz="1050" dirty="0" smtClean="0">
+                <a:solidFill>
+                  <a:schemeClr val="bg1"/>
+                </a:solidFill>
+                <a:latin typeface="Arial" panose="020B0604020202020204" pitchFamily="34" charset="0"/>
+                <a:cs typeface="Arial" panose="020B0604020202020204" pitchFamily="34" charset="0"/>
+              </a:rPr>
+              <a:t>inversa a la potenciación</a:t>
+            </a:r>
+            <a:endParaRPr lang="es-ES" sz="1050" dirty="0">
+              <a:solidFill>
+                <a:schemeClr val="bg1"/>
+              </a:solidFill>
+              <a:latin typeface="Arial" panose="020B0604020202020204" pitchFamily="34" charset="0"/>
+              <a:cs typeface="Arial" panose="020B0604020202020204" pitchFamily="34" charset="0"/>
+            </a:endParaRPr>
+          </a:p>
+        </p:txBody>
+      </p:sp>
+      <p:sp>
+        <p:nvSpPr>
+          <p:cNvPr id="314" name="Rectángulo 313" descr="Nodo de tercer nivel" title="Nodo03"/>
+          <p:cNvSpPr/>
+          <p:nvPr/>
+        </p:nvSpPr>
+        <p:spPr>
+          <a:xfrm>
+            <a:off x="5082361" y="2852722"/>
+            <a:ext cx="1018416" cy="343441"/>
+          </a:xfrm>
+          <a:prstGeom prst="rect">
+            <a:avLst/>
+          </a:prstGeom>
+          <a:solidFill>
+            <a:schemeClr val="bg2">
+              <a:lumMod val="90000"/>
+            </a:schemeClr>
+          </a:solidFill>
+          <a:ln>
+            <a:solidFill>
+              <a:schemeClr val="tx1"/>
+            </a:solidFill>
+          </a:ln>
+        </p:spPr>
+        <p:style>
+          <a:lnRef idx="2">
+            <a:schemeClr val="accent6"/>
+          </a:lnRef>
+          <a:fillRef idx="1">
+            <a:schemeClr val="lt1"/>
+          </a:fillRef>
+          <a:effectRef idx="0">
+            <a:schemeClr val="accent6"/>
+          </a:effectRef>
+          <a:fontRef idx="minor">
+            <a:schemeClr val="dk1"/>
+          </a:fontRef>
+        </p:style>
+        <p:txBody>
+          <a:bodyPr rtlCol="0" anchor="ctr"/>
+          <a:lstStyle/>
+          <a:p>
+            <a:pPr algn="ctr"/>
+            <a:endParaRPr lang="es-ES" sz="900" dirty="0">
+              <a:solidFill>
+                <a:schemeClr val="tx1"/>
+              </a:solidFill>
+              <a:latin typeface="Arial" panose="020B0604020202020204" pitchFamily="34" charset="0"/>
+              <a:cs typeface="Arial" panose="020B0604020202020204" pitchFamily="34" charset="0"/>
+            </a:endParaRPr>
+          </a:p>
+        </p:txBody>
+      </p:sp>
       <p:pic>
         <p:nvPicPr>
-          <p:cNvPr id="1026" name="Picture 2" descr="http://latex.codecogs.com/gif.latex?%5Cdpi%7B300%7D%20%5Cfn_jvn%20%5Clarge%20b%5En%3Dc"/>
+          <p:cNvPr id="1028" name="Picture 4" descr="http://latex.codecogs.com/gif.latex?%5Cdpi%7B300%7D%20%5Cfn_jvn%20%5Clarge%20%5Csqrt%5Bn%5D%7Bb%7D%3Dc"/>
           <p:cNvPicPr>
             <a:picLocks noChangeAspect="1" noChangeArrowheads="1"/>
           </p:cNvPicPr>
           <p:nvPr/>
         </p:nvPicPr>
         <p:blipFill>
-          <a:blip r:embed="rId2">
+          <a:blip r:embed="rId2" cstate="print">
             <a:extLst>
               <a:ext uri="{28A0092B-C50C-407E-A947-70E740481C1C}">
                 <a14:useLocalDpi xmlns:a14="http://schemas.microsoft.com/office/drawing/2010/main" val="0"/>
@@ -2617,8 +3003,8 @@
         </p:blipFill>
         <p:spPr bwMode="auto">
           <a:xfrm>
-            <a:off x="1574454" y="2813396"/>
-            <a:ext cx="781930" cy="212859"/>
+            <a:off x="5402154" y="2942321"/>
+            <a:ext cx="473315" cy="145820"/>
           </a:xfrm>
           <a:prstGeom prst="rect">
             <a:avLst/>
@@ -2637,14 +3023,14 @@
       </p:pic>
       <p:sp>
         <p:nvSpPr>
-          <p:cNvPr id="249" name="CuadroTexto 248" descr="Conector entre nodos" title="conector"/>
+          <p:cNvPr id="317" name="CuadroTexto 316" descr="Conector entre nodos" title="conector"/>
           <p:cNvSpPr txBox="1"/>
           <p:nvPr/>
         </p:nvSpPr>
         <p:spPr>
           <a:xfrm>
-            <a:off x="3369413" y="2376936"/>
-            <a:ext cx="1117174" cy="230836"/>
+            <a:off x="5131475" y="3307322"/>
+            <a:ext cx="1117174" cy="230832"/>
           </a:xfrm>
           <a:prstGeom prst="rect">
             <a:avLst/>
@@ -2663,7 +3049,7 @@
                 <a:latin typeface="Arial" panose="020B0604020202020204" pitchFamily="34" charset="0"/>
                 <a:cs typeface="Arial" panose="020B0604020202020204" pitchFamily="34" charset="0"/>
               </a:rPr>
-              <a:t>En términos de </a:t>
+              <a:t>sus términos son</a:t>
             </a:r>
             <a:endParaRPr lang="es-ES" sz="900" dirty="0">
               <a:latin typeface="Arial" panose="020B0604020202020204" pitchFamily="34" charset="0"/>
@@ -2672,104 +3058,22 @@
           </a:p>
         </p:txBody>
       </p:sp>
-      <p:cxnSp>
-        <p:nvCxnSpPr>
-          <p:cNvPr id="250" name="Conector angular 249"/>
-          <p:cNvCxnSpPr>
-            <a:stCxn id="228" idx="2"/>
-            <a:endCxn id="249" idx="0"/>
-          </p:cNvCxnSpPr>
-          <p:nvPr/>
-        </p:nvCxnSpPr>
-        <p:spPr>
-          <a:xfrm rot="16200000" flipH="1">
-            <a:off x="3846685" y="2295621"/>
-            <a:ext cx="157408" cy="5222"/>
-          </a:xfrm>
-          <a:prstGeom prst="bentConnector3">
-            <a:avLst>
-              <a:gd name="adj1" fmla="val 50000"/>
-            </a:avLst>
-          </a:prstGeom>
-          <a:ln w="12700">
-            <a:solidFill>
-              <a:schemeClr val="tx1"/>
-            </a:solidFill>
-          </a:ln>
-        </p:spPr>
-        <p:style>
-          <a:lnRef idx="1">
-            <a:schemeClr val="accent1"/>
-          </a:lnRef>
-          <a:fillRef idx="0">
-            <a:schemeClr val="accent1"/>
-          </a:fillRef>
-          <a:effectRef idx="0">
-            <a:schemeClr val="accent1"/>
-          </a:effectRef>
-          <a:fontRef idx="minor">
-            <a:schemeClr val="tx1"/>
-          </a:fontRef>
-        </p:style>
-      </p:cxnSp>
-      <p:cxnSp>
-        <p:nvCxnSpPr>
-          <p:cNvPr id="252" name="Conector angular 251"/>
-          <p:cNvCxnSpPr>
-            <a:stCxn id="249" idx="2"/>
-            <a:endCxn id="253" idx="0"/>
-          </p:cNvCxnSpPr>
-          <p:nvPr/>
-        </p:nvCxnSpPr>
-        <p:spPr>
-          <a:xfrm rot="5400000">
-            <a:off x="3516360" y="2339002"/>
-            <a:ext cx="142871" cy="680411"/>
-          </a:xfrm>
-          <a:prstGeom prst="bentConnector3">
-            <a:avLst>
-              <a:gd name="adj1" fmla="val 50000"/>
-            </a:avLst>
-          </a:prstGeom>
-          <a:ln w="12700">
-            <a:solidFill>
-              <a:schemeClr val="tx1"/>
-            </a:solidFill>
-          </a:ln>
-        </p:spPr>
-        <p:style>
-          <a:lnRef idx="1">
-            <a:schemeClr val="accent1"/>
-          </a:lnRef>
-          <a:fillRef idx="0">
-            <a:schemeClr val="accent1"/>
-          </a:fillRef>
-          <a:effectRef idx="0">
-            <a:schemeClr val="accent1"/>
-          </a:effectRef>
-          <a:fontRef idx="minor">
-            <a:schemeClr val="tx1"/>
-          </a:fontRef>
-        </p:style>
-      </p:cxnSp>
       <p:sp>
         <p:nvSpPr>
-          <p:cNvPr id="253" name="Rectángulo 252" descr="Nodo de tercer nivel" title="Nodo03"/>
+          <p:cNvPr id="321" name="Rectángulo 320" descr="Nodo de cuarto nivel&#10;" title="Nodo04"/>
           <p:cNvSpPr/>
           <p:nvPr/>
         </p:nvSpPr>
         <p:spPr>
           <a:xfrm>
-            <a:off x="2686373" y="2750643"/>
-            <a:ext cx="1122431" cy="343441"/>
+            <a:off x="5007218" y="5149052"/>
+            <a:ext cx="1122431" cy="723359"/>
           </a:xfrm>
           <a:prstGeom prst="rect">
             <a:avLst/>
           </a:prstGeom>
           <a:solidFill>
-            <a:schemeClr val="bg2">
-              <a:lumMod val="90000"/>
-            </a:schemeClr>
+            <a:schemeClr val="bg1"/>
           </a:solidFill>
           <a:ln>
             <a:solidFill>
@@ -2804,7 +3108,27 @@
                 <a:latin typeface="Arial" panose="020B0604020202020204" pitchFamily="34" charset="0"/>
                 <a:cs typeface="Arial" panose="020B0604020202020204" pitchFamily="34" charset="0"/>
               </a:rPr>
-              <a:t>Productos</a:t>
+              <a:t>propiedades </a:t>
+            </a:r>
+            <a:r>
+              <a:rPr lang="es-ES" sz="900" dirty="0" smtClean="0">
+                <a:solidFill>
+                  <a:schemeClr val="tx1"/>
+                </a:solidFill>
+                <a:latin typeface="Arial" panose="020B0604020202020204" pitchFamily="34" charset="0"/>
+                <a:cs typeface="Arial" panose="020B0604020202020204" pitchFamily="34" charset="0"/>
+              </a:rPr>
+              <a:t>operativas análogas a las de la </a:t>
+            </a:r>
+            <a:r>
+              <a:rPr lang="es-ES" sz="900" dirty="0" smtClean="0">
+                <a:solidFill>
+                  <a:schemeClr val="tx1"/>
+                </a:solidFill>
+                <a:latin typeface="Arial" panose="020B0604020202020204" pitchFamily="34" charset="0"/>
+                <a:cs typeface="Arial" panose="020B0604020202020204" pitchFamily="34" charset="0"/>
+              </a:rPr>
+              <a:t>potenciación</a:t>
             </a:r>
             <a:endParaRPr lang="es-ES" sz="900" dirty="0">
               <a:solidFill>
@@ -2818,20 +3142,96 @@
       </p:sp>
       <p:sp>
         <p:nvSpPr>
-          <p:cNvPr id="255" name="Rectángulo 254" descr="Nodo de cuarto nivel&#10;" title="Nodo04"/>
-          <p:cNvSpPr/>
+          <p:cNvPr id="326" name="CuadroTexto 325" descr="Conector entre nodos" title="conector"/>
+          <p:cNvSpPr txBox="1"/>
           <p:nvPr/>
         </p:nvSpPr>
         <p:spPr>
           <a:xfrm>
-            <a:off x="2686373" y="3614242"/>
-            <a:ext cx="1122431" cy="1096640"/>
+            <a:off x="4954887" y="4839649"/>
+            <a:ext cx="1117174" cy="230832"/>
           </a:xfrm>
           <a:prstGeom prst="rect">
             <a:avLst/>
           </a:prstGeom>
+          <a:noFill/>
+        </p:spPr>
+        <p:txBody>
+          <a:bodyPr wrap="square" rtlCol="0">
+            <a:spAutoFit/>
+          </a:bodyPr>
+          <a:lstStyle/>
+          <a:p>
+            <a:pPr algn="ctr"/>
+            <a:r>
+              <a:rPr lang="es-ES" sz="900" dirty="0" smtClean="0">
+                <a:latin typeface="Arial" panose="020B0604020202020204" pitchFamily="34" charset="0"/>
+                <a:cs typeface="Arial" panose="020B0604020202020204" pitchFamily="34" charset="0"/>
+              </a:rPr>
+              <a:t>cumple con </a:t>
+            </a:r>
+            <a:endParaRPr lang="es-ES" sz="900" dirty="0">
+              <a:latin typeface="Arial" panose="020B0604020202020204" pitchFamily="34" charset="0"/>
+              <a:cs typeface="Arial" panose="020B0604020202020204" pitchFamily="34" charset="0"/>
+            </a:endParaRPr>
+          </a:p>
+        </p:txBody>
+      </p:sp>
+      <p:sp>
+        <p:nvSpPr>
+          <p:cNvPr id="363" name="CuadroTexto 362" descr="Conector entre nodos" title="conector"/>
+          <p:cNvSpPr txBox="1"/>
+          <p:nvPr/>
+        </p:nvSpPr>
+        <p:spPr>
+          <a:xfrm>
+            <a:off x="7197213" y="2409416"/>
+            <a:ext cx="1324043" cy="230832"/>
+          </a:xfrm>
+          <a:prstGeom prst="rect">
+            <a:avLst/>
+          </a:prstGeom>
+          <a:noFill/>
+        </p:spPr>
+        <p:txBody>
+          <a:bodyPr wrap="square" rtlCol="0">
+            <a:spAutoFit/>
+          </a:bodyPr>
+          <a:lstStyle/>
+          <a:p>
+            <a:pPr algn="ctr"/>
+            <a:r>
+              <a:rPr lang="es-ES" sz="900" dirty="0" smtClean="0">
+                <a:latin typeface="Arial" panose="020B0604020202020204" pitchFamily="34" charset="0"/>
+                <a:cs typeface="Arial" panose="020B0604020202020204" pitchFamily="34" charset="0"/>
+              </a:rPr>
+              <a:t>entre ellas se define</a:t>
+            </a:r>
+            <a:endParaRPr lang="es-ES" sz="900" dirty="0">
+              <a:latin typeface="Arial" panose="020B0604020202020204" pitchFamily="34" charset="0"/>
+              <a:cs typeface="Arial" panose="020B0604020202020204" pitchFamily="34" charset="0"/>
+            </a:endParaRPr>
+          </a:p>
+        </p:txBody>
+      </p:sp>
+      <p:sp>
+        <p:nvSpPr>
+          <p:cNvPr id="369" name="Rectángulo 368" descr="Nodo de tercer nivel" title="Nodo03"/>
+          <p:cNvSpPr/>
+          <p:nvPr/>
+        </p:nvSpPr>
+        <p:spPr>
+          <a:xfrm>
+            <a:off x="7396942" y="2848865"/>
+            <a:ext cx="1122431" cy="343441"/>
+          </a:xfrm>
+          <a:prstGeom prst="rect">
+            <a:avLst/>
+          </a:prstGeom>
           <a:solidFill>
-            <a:schemeClr val="bg1"/>
+            <a:schemeClr val="bg2">
+              <a:lumMod val="90000"/>
+            </a:schemeClr>
           </a:solidFill>
           <a:ln>
             <a:solidFill>
@@ -2857,10 +3257,7 @@
           <a:bodyPr rtlCol="0" anchor="ctr"/>
           <a:lstStyle/>
           <a:p>
-            <a:pPr indent="7938">
-              <a:buFont typeface="Arial" panose="020B0604020202020204" pitchFamily="34" charset="0"/>
-              <a:buChar char="•"/>
-            </a:pPr>
+            <a:pPr algn="ctr"/>
             <a:r>
               <a:rPr lang="es-ES" sz="900" dirty="0" smtClean="0">
                 <a:solidFill>
@@ -2869,14 +3266,8 @@
                 <a:latin typeface="Arial" panose="020B0604020202020204" pitchFamily="34" charset="0"/>
                 <a:cs typeface="Arial" panose="020B0604020202020204" pitchFamily="34" charset="0"/>
               </a:rPr>
-              <a:t> Producto de potencias de igual base</a:t>
-            </a:r>
-          </a:p>
-          <a:p>
-            <a:pPr indent="7938">
-              <a:buFont typeface="Arial" panose="020B0604020202020204" pitchFamily="34" charset="0"/>
-              <a:buChar char="•"/>
-            </a:pPr>
+              <a:t>la jerarquía de las </a:t>
+            </a:r>
             <a:r>
               <a:rPr lang="es-ES" sz="900" dirty="0" smtClean="0">
                 <a:solidFill>
@@ -2885,23 +3276,7 @@
                 <a:latin typeface="Arial" panose="020B0604020202020204" pitchFamily="34" charset="0"/>
                 <a:cs typeface="Arial" panose="020B0604020202020204" pitchFamily="34" charset="0"/>
               </a:rPr>
-              <a:t> Potencia de un producto.</a:t>
-            </a:r>
-          </a:p>
-          <a:p>
-            <a:pPr indent="7938">
-              <a:buFont typeface="Arial" panose="020B0604020202020204" pitchFamily="34" charset="0"/>
-              <a:buChar char="•"/>
-            </a:pPr>
-            <a:r>
-              <a:rPr lang="es-ES" sz="900" dirty="0" smtClean="0">
-                <a:solidFill>
-                  <a:schemeClr val="tx1"/>
-                </a:solidFill>
-                <a:latin typeface="Arial" panose="020B0604020202020204" pitchFamily="34" charset="0"/>
-                <a:cs typeface="Arial" panose="020B0604020202020204" pitchFamily="34" charset="0"/>
-              </a:rPr>
-              <a:t> Potencia de una potencia</a:t>
+              <a:t>operaciones</a:t>
             </a:r>
             <a:endParaRPr lang="es-ES" sz="900" dirty="0">
               <a:solidFill>
@@ -2913,136 +3288,16 @@
           </a:p>
         </p:txBody>
       </p:sp>
-      <p:cxnSp>
-        <p:nvCxnSpPr>
-          <p:cNvPr id="278" name="Conector angular 277"/>
-          <p:cNvCxnSpPr>
-            <a:stCxn id="253" idx="2"/>
-            <a:endCxn id="255" idx="0"/>
-          </p:cNvCxnSpPr>
-          <p:nvPr/>
-        </p:nvCxnSpPr>
-        <p:spPr>
-          <a:xfrm rot="5400000">
-            <a:off x="2987510" y="3354163"/>
-            <a:ext cx="520158" cy="12700"/>
-          </a:xfrm>
-          <a:prstGeom prst="bentConnector3">
-            <a:avLst>
-              <a:gd name="adj1" fmla="val 50000"/>
-            </a:avLst>
-          </a:prstGeom>
-          <a:ln w="12700">
-            <a:solidFill>
-              <a:schemeClr val="tx1"/>
-            </a:solidFill>
-          </a:ln>
-        </p:spPr>
-        <p:style>
-          <a:lnRef idx="1">
-            <a:schemeClr val="accent1"/>
-          </a:lnRef>
-          <a:fillRef idx="0">
-            <a:schemeClr val="accent1"/>
-          </a:fillRef>
-          <a:effectRef idx="0">
-            <a:schemeClr val="accent1"/>
-          </a:effectRef>
-          <a:fontRef idx="minor">
-            <a:schemeClr val="tx1"/>
-          </a:fontRef>
-        </p:style>
-      </p:cxnSp>
-      <p:cxnSp>
-        <p:nvCxnSpPr>
-          <p:cNvPr id="279" name="Conector angular 278"/>
-          <p:cNvCxnSpPr>
-            <a:stCxn id="249" idx="2"/>
-            <a:endCxn id="256" idx="0"/>
-          </p:cNvCxnSpPr>
-          <p:nvPr/>
-        </p:nvCxnSpPr>
-        <p:spPr>
-          <a:xfrm rot="16200000" flipH="1">
-            <a:off x="4210394" y="2325378"/>
-            <a:ext cx="138272" cy="703060"/>
-          </a:xfrm>
-          <a:prstGeom prst="bentConnector3">
-            <a:avLst>
-              <a:gd name="adj1" fmla="val 50000"/>
-            </a:avLst>
-          </a:prstGeom>
-          <a:ln w="12700">
-            <a:solidFill>
-              <a:schemeClr val="tx1"/>
-            </a:solidFill>
-          </a:ln>
-        </p:spPr>
-        <p:style>
-          <a:lnRef idx="1">
-            <a:schemeClr val="accent1"/>
-          </a:lnRef>
-          <a:fillRef idx="0">
-            <a:schemeClr val="accent1"/>
-          </a:fillRef>
-          <a:effectRef idx="0">
-            <a:schemeClr val="accent1"/>
-          </a:effectRef>
-          <a:fontRef idx="minor">
-            <a:schemeClr val="tx1"/>
-          </a:fontRef>
-        </p:style>
-      </p:cxnSp>
-      <p:cxnSp>
-        <p:nvCxnSpPr>
-          <p:cNvPr id="294" name="Conector angular 293"/>
-          <p:cNvCxnSpPr>
-            <a:stCxn id="296" idx="2"/>
-            <a:endCxn id="295" idx="0"/>
-          </p:cNvCxnSpPr>
-          <p:nvPr/>
-        </p:nvCxnSpPr>
-        <p:spPr>
-          <a:xfrm rot="5400000">
-            <a:off x="3100043" y="5196868"/>
-            <a:ext cx="292241" cy="1680"/>
-          </a:xfrm>
-          <a:prstGeom prst="bentConnector3">
-            <a:avLst>
-              <a:gd name="adj1" fmla="val 50000"/>
-            </a:avLst>
-          </a:prstGeom>
-          <a:ln w="12700">
-            <a:solidFill>
-              <a:schemeClr val="tx1"/>
-            </a:solidFill>
-          </a:ln>
-        </p:spPr>
-        <p:style>
-          <a:lnRef idx="1">
-            <a:schemeClr val="accent1"/>
-          </a:lnRef>
-          <a:fillRef idx="0">
-            <a:schemeClr val="accent1"/>
-          </a:fillRef>
-          <a:effectRef idx="0">
-            <a:schemeClr val="accent1"/>
-          </a:effectRef>
-          <a:fontRef idx="minor">
-            <a:schemeClr val="tx1"/>
-          </a:fontRef>
-        </p:style>
-      </p:cxnSp>
       <p:sp>
         <p:nvSpPr>
-          <p:cNvPr id="295" name="Rectángulo 294" descr="Nodo de quinto nivel" title="Nodo05"/>
+          <p:cNvPr id="372" name="Rectángulo 371" descr="Nodo de cuarto nivel&#10;" title="Nodo04"/>
           <p:cNvSpPr/>
           <p:nvPr/>
         </p:nvSpPr>
         <p:spPr>
           <a:xfrm>
-            <a:off x="2685859" y="5343829"/>
-            <a:ext cx="1118927" cy="683069"/>
+            <a:off x="7309362" y="3657360"/>
+            <a:ext cx="1291773" cy="1441199"/>
           </a:xfrm>
           <a:prstGeom prst="rect">
             <a:avLst/>
@@ -3074,7 +3329,6 @@
           <a:bodyPr rtlCol="0" anchor="ctr"/>
           <a:lstStyle/>
           <a:p>
-            <a:pPr algn="ctr"/>
             <a:r>
               <a:rPr lang="es-ES" sz="900" dirty="0" smtClean="0">
                 <a:solidFill>
@@ -3083,7 +3337,19 @@
                 <a:latin typeface="Arial" panose="020B0604020202020204" pitchFamily="34" charset="0"/>
                 <a:cs typeface="Arial" panose="020B0604020202020204" pitchFamily="34" charset="0"/>
               </a:rPr>
-              <a:t>Simplificar expresiones con potencias y productos</a:t>
+              <a:t>1.° resolver potencias y raíces</a:t>
+            </a:r>
+          </a:p>
+          <a:p>
+            <a:r>
+              <a:rPr lang="es-ES" sz="900" dirty="0" smtClean="0">
+                <a:solidFill>
+                  <a:schemeClr val="tx1"/>
+                </a:solidFill>
+                <a:latin typeface="Arial" panose="020B0604020202020204" pitchFamily="34" charset="0"/>
+                <a:cs typeface="Arial" panose="020B0604020202020204" pitchFamily="34" charset="0"/>
+              </a:rPr>
+              <a:t>2.° efectuar las multiplicaciones y divisiones</a:t>
             </a:r>
             <a:endParaRPr lang="es-ES" sz="900" dirty="0">
               <a:solidFill>
@@ -3093,167 +3359,7 @@
               <a:cs typeface="Arial" panose="020B0604020202020204" pitchFamily="34" charset="0"/>
             </a:endParaRPr>
           </a:p>
-        </p:txBody>
-      </p:sp>
-      <p:sp>
-        <p:nvSpPr>
-          <p:cNvPr id="296" name="CuadroTexto 295" descr="Conector entre nodos" title="conector"/>
-          <p:cNvSpPr txBox="1"/>
-          <p:nvPr/>
-        </p:nvSpPr>
-        <p:spPr>
-          <a:xfrm>
-            <a:off x="2688416" y="4820756"/>
-            <a:ext cx="1117174" cy="230832"/>
-          </a:xfrm>
-          <a:prstGeom prst="rect">
-            <a:avLst/>
-          </a:prstGeom>
-          <a:noFill/>
-        </p:spPr>
-        <p:txBody>
-          <a:bodyPr wrap="square" rtlCol="0">
-            <a:spAutoFit/>
-          </a:bodyPr>
-          <a:lstStyle/>
-          <a:p>
-            <a:pPr algn="ctr"/>
-            <a:r>
-              <a:rPr lang="es-ES" sz="900" dirty="0" smtClean="0">
-                <a:latin typeface="Arial" panose="020B0604020202020204" pitchFamily="34" charset="0"/>
-                <a:cs typeface="Arial" panose="020B0604020202020204" pitchFamily="34" charset="0"/>
-              </a:rPr>
-              <a:t>permiten</a:t>
-            </a:r>
-            <a:endParaRPr lang="es-ES" sz="900" dirty="0">
-              <a:latin typeface="Arial" panose="020B0604020202020204" pitchFamily="34" charset="0"/>
-              <a:cs typeface="Arial" panose="020B0604020202020204" pitchFamily="34" charset="0"/>
-            </a:endParaRPr>
-          </a:p>
-        </p:txBody>
-      </p:sp>
-      <p:cxnSp>
-        <p:nvCxnSpPr>
-          <p:cNvPr id="297" name="Conector angular 296"/>
-          <p:cNvCxnSpPr>
-            <a:stCxn id="255" idx="2"/>
-            <a:endCxn id="296" idx="0"/>
-          </p:cNvCxnSpPr>
-          <p:nvPr/>
-        </p:nvCxnSpPr>
-        <p:spPr>
-          <a:xfrm rot="5400000">
-            <a:off x="3192359" y="4765526"/>
-            <a:ext cx="109874" cy="586"/>
-          </a:xfrm>
-          <a:prstGeom prst="bentConnector3">
-            <a:avLst>
-              <a:gd name="adj1" fmla="val 50000"/>
-            </a:avLst>
-          </a:prstGeom>
-          <a:ln w="12700">
-            <a:solidFill>
-              <a:schemeClr val="tx1"/>
-            </a:solidFill>
-          </a:ln>
-        </p:spPr>
-        <p:style>
-          <a:lnRef idx="1">
-            <a:schemeClr val="accent1"/>
-          </a:lnRef>
-          <a:fillRef idx="0">
-            <a:schemeClr val="accent1"/>
-          </a:fillRef>
-          <a:effectRef idx="0">
-            <a:schemeClr val="accent1"/>
-          </a:effectRef>
-          <a:fontRef idx="minor">
-            <a:schemeClr val="tx1"/>
-          </a:fontRef>
-        </p:style>
-      </p:cxnSp>
-      <p:cxnSp>
-        <p:nvCxnSpPr>
-          <p:cNvPr id="298" name="Conector angular 297"/>
-          <p:cNvCxnSpPr>
-            <a:stCxn id="300" idx="2"/>
-            <a:endCxn id="299" idx="0"/>
-          </p:cNvCxnSpPr>
-          <p:nvPr/>
-        </p:nvCxnSpPr>
-        <p:spPr>
-          <a:xfrm rot="5400000">
-            <a:off x="4491981" y="5174362"/>
-            <a:ext cx="292241" cy="1680"/>
-          </a:xfrm>
-          <a:prstGeom prst="bentConnector3">
-            <a:avLst>
-              <a:gd name="adj1" fmla="val 50000"/>
-            </a:avLst>
-          </a:prstGeom>
-          <a:ln w="12700">
-            <a:solidFill>
-              <a:schemeClr val="tx1"/>
-            </a:solidFill>
-          </a:ln>
-        </p:spPr>
-        <p:style>
-          <a:lnRef idx="1">
-            <a:schemeClr val="accent1"/>
-          </a:lnRef>
-          <a:fillRef idx="0">
-            <a:schemeClr val="accent1"/>
-          </a:fillRef>
-          <a:effectRef idx="0">
-            <a:schemeClr val="accent1"/>
-          </a:effectRef>
-          <a:fontRef idx="minor">
-            <a:schemeClr val="tx1"/>
-          </a:fontRef>
-        </p:style>
-      </p:cxnSp>
-      <p:sp>
-        <p:nvSpPr>
-          <p:cNvPr id="299" name="Rectángulo 298" descr="Nodo de quinto nivel" title="Nodo05"/>
-          <p:cNvSpPr/>
-          <p:nvPr/>
-        </p:nvSpPr>
-        <p:spPr>
-          <a:xfrm>
-            <a:off x="4077797" y="5321323"/>
-            <a:ext cx="1118927" cy="683069"/>
-          </a:xfrm>
-          <a:prstGeom prst="rect">
-            <a:avLst/>
-          </a:prstGeom>
-          <a:solidFill>
-            <a:schemeClr val="bg1"/>
-          </a:solidFill>
-          <a:ln>
-            <a:solidFill>
-              <a:schemeClr val="tx1"/>
-            </a:solidFill>
-          </a:ln>
-        </p:spPr>
-        <p:style>
-          <a:lnRef idx="2">
-            <a:schemeClr val="accent6"/>
-          </a:lnRef>
-          <a:fillRef idx="1">
-            <a:schemeClr val="lt1"/>
-          </a:fillRef>
-          <a:effectRef idx="0">
-            <a:schemeClr val="accent6"/>
-          </a:effectRef>
-          <a:fontRef idx="minor">
-            <a:schemeClr val="dk1"/>
-          </a:fontRef>
-        </p:style>
-        <p:txBody>
-          <a:bodyPr rtlCol="0" anchor="ctr"/>
-          <a:lstStyle/>
-          <a:p>
-            <a:pPr algn="ctr"/>
+          <a:p>
             <a:r>
               <a:rPr lang="es-ES" sz="900" dirty="0" smtClean="0">
                 <a:solidFill>
@@ -3262,7 +3368,19 @@
                 <a:latin typeface="Arial" panose="020B0604020202020204" pitchFamily="34" charset="0"/>
                 <a:cs typeface="Arial" panose="020B0604020202020204" pitchFamily="34" charset="0"/>
               </a:rPr>
-              <a:t>Simplificar expresiones con potencias y cocientes</a:t>
+              <a:t>3.° suprimir los paréntesis</a:t>
+            </a:r>
+          </a:p>
+          <a:p>
+            <a:r>
+              <a:rPr lang="es-ES" sz="900" dirty="0" smtClean="0">
+                <a:solidFill>
+                  <a:schemeClr val="tx1"/>
+                </a:solidFill>
+                <a:latin typeface="Arial" panose="020B0604020202020204" pitchFamily="34" charset="0"/>
+                <a:cs typeface="Arial" panose="020B0604020202020204" pitchFamily="34" charset="0"/>
+              </a:rPr>
+              <a:t>4.° realizar adiciones y sustracciones</a:t>
             </a:r>
             <a:endParaRPr lang="es-ES" sz="900" dirty="0">
               <a:solidFill>
@@ -3274,16 +3392,53 @@
           </a:p>
         </p:txBody>
       </p:sp>
+      <p:cxnSp>
+        <p:nvCxnSpPr>
+          <p:cNvPr id="103" name="Conector angular 102"/>
+          <p:cNvCxnSpPr/>
+          <p:nvPr/>
+        </p:nvCxnSpPr>
+        <p:spPr>
+          <a:xfrm rot="16200000" flipH="1">
+            <a:off x="1177919" y="1807824"/>
+            <a:ext cx="133404" cy="290"/>
+          </a:xfrm>
+          <a:prstGeom prst="bentConnector3">
+            <a:avLst>
+              <a:gd name="adj1" fmla="val 50000"/>
+            </a:avLst>
+          </a:prstGeom>
+          <a:ln w="12700">
+            <a:solidFill>
+              <a:schemeClr val="tx1"/>
+            </a:solidFill>
+          </a:ln>
+        </p:spPr>
+        <p:style>
+          <a:lnRef idx="1">
+            <a:schemeClr val="accent1"/>
+          </a:lnRef>
+          <a:fillRef idx="0">
+            <a:schemeClr val="accent1"/>
+          </a:fillRef>
+          <a:effectRef idx="0">
+            <a:schemeClr val="accent1"/>
+          </a:effectRef>
+          <a:fontRef idx="minor">
+            <a:schemeClr val="tx1"/>
+          </a:fontRef>
+        </p:style>
+      </p:cxnSp>
       <p:sp>
         <p:nvSpPr>
-          <p:cNvPr id="300" name="CuadroTexto 299" descr="Conector entre nodos" title="conector"/>
+          <p:cNvPr id="109" name="CuadroTexto 108" descr="Conector entre nodos" title="conector"/>
           <p:cNvSpPr txBox="1"/>
           <p:nvPr/>
         </p:nvSpPr>
         <p:spPr>
           <a:xfrm>
-            <a:off x="4080354" y="4798250"/>
-            <a:ext cx="1117174" cy="230832"/>
+            <a:off x="696220" y="2491196"/>
+            <a:ext cx="1117174" cy="230836"/>
           </a:xfrm>
           <a:prstGeom prst="rect">
             <a:avLst/>
@@ -3302,7 +3457,7 @@
                 <a:latin typeface="Arial" panose="020B0604020202020204" pitchFamily="34" charset="0"/>
                 <a:cs typeface="Arial" panose="020B0604020202020204" pitchFamily="34" charset="0"/>
               </a:rPr>
-              <a:t>permiten</a:t>
+              <a:t>se representa</a:t>
             </a:r>
             <a:endParaRPr lang="es-ES" sz="900" dirty="0">
               <a:latin typeface="Arial" panose="020B0604020202020204" pitchFamily="34" charset="0"/>
@@ -3311,326 +3466,11 @@
           </a:p>
         </p:txBody>
       </p:sp>
-      <p:cxnSp>
-        <p:nvCxnSpPr>
-          <p:cNvPr id="301" name="Conector angular 300"/>
-          <p:cNvCxnSpPr>
-            <a:stCxn id="257" idx="2"/>
-            <a:endCxn id="300" idx="0"/>
-          </p:cNvCxnSpPr>
-          <p:nvPr/>
-        </p:nvCxnSpPr>
-        <p:spPr>
-          <a:xfrm rot="5400000">
-            <a:off x="4481157" y="4637836"/>
-            <a:ext cx="318199" cy="2629"/>
-          </a:xfrm>
-          <a:prstGeom prst="bentConnector3">
-            <a:avLst>
-              <a:gd name="adj1" fmla="val 50000"/>
-            </a:avLst>
-          </a:prstGeom>
-          <a:ln w="12700">
-            <a:solidFill>
-              <a:schemeClr val="tx1"/>
-            </a:solidFill>
-          </a:ln>
-        </p:spPr>
-        <p:style>
-          <a:lnRef idx="1">
-            <a:schemeClr val="accent1"/>
-          </a:lnRef>
-          <a:fillRef idx="0">
-            <a:schemeClr val="accent1"/>
-          </a:fillRef>
-          <a:effectRef idx="0">
-            <a:schemeClr val="accent1"/>
-          </a:effectRef>
-          <a:fontRef idx="minor">
-            <a:schemeClr val="tx1"/>
-          </a:fontRef>
-        </p:style>
-      </p:cxnSp>
-      <p:sp>
-        <p:nvSpPr>
-          <p:cNvPr id="302" name="CuadroTexto 301" descr="Conector entre nodos" title="conector"/>
-          <p:cNvSpPr txBox="1"/>
-          <p:nvPr/>
-        </p:nvSpPr>
-        <p:spPr>
-          <a:xfrm>
-            <a:off x="5715636" y="1500512"/>
-            <a:ext cx="1122431" cy="230832"/>
-          </a:xfrm>
-          <a:prstGeom prst="rect">
-            <a:avLst/>
-          </a:prstGeom>
-          <a:noFill/>
-        </p:spPr>
-        <p:txBody>
-          <a:bodyPr wrap="square" rtlCol="0">
-            <a:spAutoFit/>
-          </a:bodyPr>
-          <a:lstStyle/>
-          <a:p>
-            <a:pPr algn="ctr"/>
-            <a:r>
-              <a:rPr lang="es-ES" sz="900" dirty="0" smtClean="0">
-                <a:latin typeface="Arial" panose="020B0604020202020204" pitchFamily="34" charset="0"/>
-                <a:cs typeface="Arial" panose="020B0604020202020204" pitchFamily="34" charset="0"/>
-              </a:rPr>
-              <a:t>Definidas como</a:t>
-            </a:r>
-            <a:endParaRPr lang="es-ES" sz="900" dirty="0">
-              <a:latin typeface="Arial" panose="020B0604020202020204" pitchFamily="34" charset="0"/>
-              <a:cs typeface="Arial" panose="020B0604020202020204" pitchFamily="34" charset="0"/>
-            </a:endParaRPr>
-          </a:p>
-        </p:txBody>
-      </p:sp>
-      <p:cxnSp>
-        <p:nvCxnSpPr>
-          <p:cNvPr id="303" name="Conector angular 302"/>
-          <p:cNvCxnSpPr>
-            <a:stCxn id="216" idx="2"/>
-            <a:endCxn id="302" idx="0"/>
-          </p:cNvCxnSpPr>
-          <p:nvPr/>
-        </p:nvCxnSpPr>
-        <p:spPr>
-          <a:xfrm rot="5400000">
-            <a:off x="6234248" y="1454841"/>
-            <a:ext cx="88275" cy="3066"/>
-          </a:xfrm>
-          <a:prstGeom prst="bentConnector3">
-            <a:avLst>
-              <a:gd name="adj1" fmla="val 50000"/>
-            </a:avLst>
-          </a:prstGeom>
-          <a:ln w="12700">
-            <a:solidFill>
-              <a:schemeClr val="tx1"/>
-            </a:solidFill>
-          </a:ln>
-        </p:spPr>
-        <p:style>
-          <a:lnRef idx="1">
-            <a:schemeClr val="accent1"/>
-          </a:lnRef>
-          <a:fillRef idx="0">
-            <a:schemeClr val="accent1"/>
-          </a:fillRef>
-          <a:effectRef idx="0">
-            <a:schemeClr val="accent1"/>
-          </a:effectRef>
-          <a:fontRef idx="minor">
-            <a:schemeClr val="tx1"/>
-          </a:fontRef>
-        </p:style>
-      </p:cxnSp>
-      <p:sp>
-        <p:nvSpPr>
-          <p:cNvPr id="304" name="Rectángulo 303" descr="Nodo de segundo nivel" title="Nodo02"/>
-          <p:cNvSpPr/>
-          <p:nvPr/>
-        </p:nvSpPr>
-        <p:spPr>
-          <a:xfrm>
-            <a:off x="5713862" y="1851545"/>
-            <a:ext cx="1124746" cy="497027"/>
-          </a:xfrm>
-          <a:prstGeom prst="rect">
-            <a:avLst/>
-          </a:prstGeom>
-          <a:solidFill>
-            <a:schemeClr val="bg2">
-              <a:lumMod val="50000"/>
-            </a:schemeClr>
-          </a:solidFill>
-          <a:ln>
-            <a:solidFill>
-              <a:schemeClr val="tx1"/>
-            </a:solidFill>
-          </a:ln>
-        </p:spPr>
-        <p:style>
-          <a:lnRef idx="2">
-            <a:schemeClr val="accent6"/>
-          </a:lnRef>
-          <a:fillRef idx="1">
-            <a:schemeClr val="lt1"/>
-          </a:fillRef>
-          <a:effectRef idx="0">
-            <a:schemeClr val="accent6"/>
-          </a:effectRef>
-          <a:fontRef idx="minor">
-            <a:schemeClr val="dk1"/>
-          </a:fontRef>
-        </p:style>
-        <p:txBody>
-          <a:bodyPr rtlCol="0" anchor="ctr"/>
-          <a:lstStyle/>
-          <a:p>
-            <a:pPr algn="ctr"/>
-            <a:r>
-              <a:rPr lang="es-ES" sz="1050" dirty="0" smtClean="0">
-                <a:solidFill>
-                  <a:schemeClr val="bg1"/>
-                </a:solidFill>
-                <a:latin typeface="Arial" panose="020B0604020202020204" pitchFamily="34" charset="0"/>
-                <a:cs typeface="Arial" panose="020B0604020202020204" pitchFamily="34" charset="0"/>
-              </a:rPr>
-              <a:t>Operación inversa a la potenciación</a:t>
-            </a:r>
-            <a:endParaRPr lang="es-ES" sz="1050" dirty="0">
-              <a:solidFill>
-                <a:schemeClr val="bg1"/>
-              </a:solidFill>
-              <a:latin typeface="Arial" panose="020B0604020202020204" pitchFamily="34" charset="0"/>
-              <a:cs typeface="Arial" panose="020B0604020202020204" pitchFamily="34" charset="0"/>
-            </a:endParaRPr>
-          </a:p>
-        </p:txBody>
-      </p:sp>
-      <p:cxnSp>
-        <p:nvCxnSpPr>
-          <p:cNvPr id="305" name="Conector angular 304"/>
-          <p:cNvCxnSpPr>
-            <a:stCxn id="302" idx="2"/>
-            <a:endCxn id="304" idx="0"/>
-          </p:cNvCxnSpPr>
-          <p:nvPr/>
-        </p:nvCxnSpPr>
-        <p:spPr>
-          <a:xfrm rot="5400000">
-            <a:off x="6216444" y="1791136"/>
-            <a:ext cx="120201" cy="617"/>
-          </a:xfrm>
-          <a:prstGeom prst="bentConnector3">
-            <a:avLst>
-              <a:gd name="adj1" fmla="val 50000"/>
-            </a:avLst>
-          </a:prstGeom>
-          <a:ln w="12700">
-            <a:solidFill>
-              <a:schemeClr val="tx1"/>
-            </a:solidFill>
-          </a:ln>
-        </p:spPr>
-        <p:style>
-          <a:lnRef idx="1">
-            <a:schemeClr val="accent1"/>
-          </a:lnRef>
-          <a:fillRef idx="0">
-            <a:schemeClr val="accent1"/>
-          </a:fillRef>
-          <a:effectRef idx="0">
-            <a:schemeClr val="accent1"/>
-          </a:effectRef>
-          <a:fontRef idx="minor">
-            <a:schemeClr val="tx1"/>
-          </a:fontRef>
-        </p:style>
-      </p:cxnSp>
-      <p:cxnSp>
-        <p:nvCxnSpPr>
-          <p:cNvPr id="306" name="Conector angular 305"/>
-          <p:cNvCxnSpPr>
-            <a:stCxn id="304" idx="2"/>
-            <a:endCxn id="314" idx="0"/>
-          </p:cNvCxnSpPr>
-          <p:nvPr/>
-        </p:nvCxnSpPr>
-        <p:spPr>
-          <a:xfrm rot="5400000">
-            <a:off x="6077674" y="2545319"/>
-            <a:ext cx="395308" cy="1815"/>
-          </a:xfrm>
-          <a:prstGeom prst="bentConnector3">
-            <a:avLst>
-              <a:gd name="adj1" fmla="val 50000"/>
-            </a:avLst>
-          </a:prstGeom>
-          <a:ln w="12700">
-            <a:solidFill>
-              <a:schemeClr val="tx1"/>
-            </a:solidFill>
-          </a:ln>
-        </p:spPr>
-        <p:style>
-          <a:lnRef idx="1">
-            <a:schemeClr val="accent1"/>
-          </a:lnRef>
-          <a:fillRef idx="0">
-            <a:schemeClr val="accent1"/>
-          </a:fillRef>
-          <a:effectRef idx="0">
-            <a:schemeClr val="accent1"/>
-          </a:effectRef>
-          <a:fontRef idx="minor">
-            <a:schemeClr val="tx1"/>
-          </a:fontRef>
-        </p:style>
-      </p:cxnSp>
-      <p:sp>
-        <p:nvSpPr>
-          <p:cNvPr id="314" name="Rectángulo 313" descr="Nodo de tercer nivel" title="Nodo03"/>
-          <p:cNvSpPr/>
-          <p:nvPr/>
-        </p:nvSpPr>
-        <p:spPr>
-          <a:xfrm>
-            <a:off x="5713204" y="2743880"/>
-            <a:ext cx="1122431" cy="343441"/>
-          </a:xfrm>
-          <a:prstGeom prst="rect">
-            <a:avLst/>
-          </a:prstGeom>
-          <a:solidFill>
-            <a:schemeClr val="bg2">
-              <a:lumMod val="90000"/>
-            </a:schemeClr>
-          </a:solidFill>
-          <a:ln>
-            <a:solidFill>
-              <a:schemeClr val="tx1"/>
-            </a:solidFill>
-          </a:ln>
-        </p:spPr>
-        <p:style>
-          <a:lnRef idx="2">
-            <a:schemeClr val="accent6"/>
-          </a:lnRef>
-          <a:fillRef idx="1">
-            <a:schemeClr val="lt1"/>
-          </a:fillRef>
-          <a:effectRef idx="0">
-            <a:schemeClr val="accent6"/>
-          </a:effectRef>
-          <a:fontRef idx="minor">
-            <a:schemeClr val="dk1"/>
-          </a:fontRef>
-        </p:style>
-        <p:txBody>
-          <a:bodyPr rtlCol="0" anchor="ctr"/>
-          <a:lstStyle/>
-          <a:p>
-            <a:pPr algn="ctr"/>
-            <a:endParaRPr lang="es-ES" sz="900" dirty="0">
-              <a:solidFill>
-                <a:schemeClr val="tx1"/>
-              </a:solidFill>
-              <a:latin typeface="Arial" panose="020B0604020202020204" pitchFamily="34" charset="0"/>
-              <a:cs typeface="Arial" panose="020B0604020202020204" pitchFamily="34" charset="0"/>
-            </a:endParaRPr>
-          </a:p>
-        </p:txBody>
-      </p:sp>
       <p:pic>
         <p:nvPicPr>
-          <p:cNvPr id="1028" name="Picture 4" descr="http://latex.codecogs.com/gif.latex?%5Cdpi%7B300%7D%20%5Cfn_jvn%20%5Clarge%20%5Csqrt%5Bn%5D%7Bb%7D%3Dc"/>
+          <p:cNvPr id="238" name="Imagen 237"/>
           <p:cNvPicPr>
-            <a:picLocks noChangeAspect="1" noChangeArrowheads="1"/>
+            <a:picLocks noChangeAspect="1"/>
           </p:cNvPicPr>
           <p:nvPr/>
         </p:nvPicPr>
@@ -3642,40 +3482,29 @@
               </a:ext>
             </a:extLst>
           </a:blip>
-          <a:srcRect/>
           <a:stretch>
             <a:fillRect/>
           </a:stretch>
         </p:blipFill>
-        <p:spPr bwMode="auto">
+        <p:spPr>
           <a:xfrm>
-            <a:off x="5848809" y="2783621"/>
-            <a:ext cx="834204" cy="257003"/>
+            <a:off x="1011919" y="2880999"/>
+            <a:ext cx="443353" cy="113012"/>
           </a:xfrm>
           <a:prstGeom prst="rect">
             <a:avLst/>
           </a:prstGeom>
-          <a:noFill/>
-          <a:extLst>
-            <a:ext uri="{909E8E84-426E-40DD-AFC4-6F175D3DCCD1}">
-              <a14:hiddenFill xmlns:a14="http://schemas.microsoft.com/office/drawing/2010/main">
-                <a:solidFill>
-                  <a:srgbClr val="FFFFFF"/>
-                </a:solidFill>
-              </a14:hiddenFill>
-            </a:ext>
-          </a:extLst>
         </p:spPr>
       </p:pic>
       <p:sp>
         <p:nvSpPr>
-          <p:cNvPr id="317" name="CuadroTexto 316" descr="Conector entre nodos" title="conector"/>
+          <p:cNvPr id="118" name="CuadroTexto 117" descr="Conector entre nodos" title="conector"/>
           <p:cNvSpPr txBox="1"/>
           <p:nvPr/>
         </p:nvSpPr>
         <p:spPr>
           <a:xfrm>
-            <a:off x="5704097" y="3275389"/>
+            <a:off x="696219" y="3165307"/>
             <a:ext cx="1117174" cy="230832"/>
           </a:xfrm>
           <a:prstGeom prst="rect">
@@ -3695,7 +3524,7 @@
                 <a:latin typeface="Arial" panose="020B0604020202020204" pitchFamily="34" charset="0"/>
                 <a:cs typeface="Arial" panose="020B0604020202020204" pitchFamily="34" charset="0"/>
               </a:rPr>
-              <a:t>tiene</a:t>
+              <a:t>sus términos son</a:t>
             </a:r>
             <a:endParaRPr lang="es-ES" sz="900" dirty="0">
               <a:latin typeface="Arial" panose="020B0604020202020204" pitchFamily="34" charset="0"/>
@@ -3704,96 +3533,16 @@
           </a:p>
         </p:txBody>
       </p:sp>
-      <p:cxnSp>
-        <p:nvCxnSpPr>
-          <p:cNvPr id="318" name="Conector angular 317"/>
-          <p:cNvCxnSpPr>
-            <a:stCxn id="314" idx="2"/>
-            <a:endCxn id="317" idx="0"/>
-          </p:cNvCxnSpPr>
-          <p:nvPr/>
-        </p:nvCxnSpPr>
-        <p:spPr>
-          <a:xfrm rot="5400000">
-            <a:off x="6174518" y="3175487"/>
-            <a:ext cx="188068" cy="11736"/>
-          </a:xfrm>
-          <a:prstGeom prst="bentConnector3">
-            <a:avLst>
-              <a:gd name="adj1" fmla="val 50000"/>
-            </a:avLst>
-          </a:prstGeom>
-          <a:ln w="12700">
-            <a:solidFill>
-              <a:schemeClr val="tx1"/>
-            </a:solidFill>
-          </a:ln>
-        </p:spPr>
-        <p:style>
-          <a:lnRef idx="1">
-            <a:schemeClr val="accent1"/>
-          </a:lnRef>
-          <a:fillRef idx="0">
-            <a:schemeClr val="accent1"/>
-          </a:fillRef>
-          <a:effectRef idx="0">
-            <a:schemeClr val="accent1"/>
-          </a:effectRef>
-          <a:fontRef idx="minor">
-            <a:schemeClr val="tx1"/>
-          </a:fontRef>
-        </p:style>
-      </p:cxnSp>
-      <p:cxnSp>
-        <p:nvCxnSpPr>
-          <p:cNvPr id="319" name="Conector angular 318"/>
-          <p:cNvCxnSpPr>
-            <a:stCxn id="317" idx="2"/>
-            <a:endCxn id="321" idx="0"/>
-          </p:cNvCxnSpPr>
-          <p:nvPr/>
-        </p:nvCxnSpPr>
-        <p:spPr>
-          <a:xfrm rot="16200000" flipH="1">
-            <a:off x="6197771" y="3571133"/>
-            <a:ext cx="131051" cy="1225"/>
-          </a:xfrm>
-          <a:prstGeom prst="bentConnector3">
-            <a:avLst>
-              <a:gd name="adj1" fmla="val 50000"/>
-            </a:avLst>
-          </a:prstGeom>
-          <a:ln w="12700">
-            <a:solidFill>
-              <a:schemeClr val="tx1"/>
-            </a:solidFill>
-          </a:ln>
-        </p:spPr>
-        <p:style>
-          <a:lnRef idx="1">
-            <a:schemeClr val="accent1"/>
-          </a:lnRef>
-          <a:fillRef idx="0">
-            <a:schemeClr val="accent1"/>
-          </a:fillRef>
-          <a:effectRef idx="0">
-            <a:schemeClr val="accent1"/>
-          </a:effectRef>
-          <a:fontRef idx="minor">
-            <a:schemeClr val="tx1"/>
-          </a:fontRef>
-        </p:style>
-      </p:cxnSp>
       <p:sp>
         <p:nvSpPr>
-          <p:cNvPr id="321" name="Rectángulo 320" descr="Nodo de cuarto nivel&#10;" title="Nodo04"/>
+          <p:cNvPr id="121" name="Rectángulo 120" descr="Nodo de cuarto nivel&#10;" title="Nodo04"/>
           <p:cNvSpPr/>
           <p:nvPr/>
         </p:nvSpPr>
         <p:spPr>
           <a:xfrm>
-            <a:off x="5702693" y="3637272"/>
-            <a:ext cx="1122431" cy="723359"/>
+            <a:off x="754944" y="3481041"/>
+            <a:ext cx="1011612" cy="502195"/>
           </a:xfrm>
           <a:prstGeom prst="rect">
             <a:avLst/>
@@ -3827,14 +3576,70 @@
           <a:p>
             <a:pPr algn="ctr"/>
             <a:r>
-              <a:rPr lang="es-ES" sz="900" dirty="0" smtClean="0">
+              <a:rPr lang="es-ES" sz="900" i="1" dirty="0" smtClean="0">
                 <a:solidFill>
                   <a:schemeClr val="tx1"/>
                 </a:solidFill>
                 <a:latin typeface="Arial" panose="020B0604020202020204" pitchFamily="34" charset="0"/>
                 <a:cs typeface="Arial" panose="020B0604020202020204" pitchFamily="34" charset="0"/>
               </a:rPr>
-              <a:t>Propiedades operativas análogas a las de la potenciación.</a:t>
+              <a:t>b</a:t>
+            </a:r>
+            <a:r>
+              <a:rPr lang="es-ES" sz="900" dirty="0" smtClean="0">
+                <a:solidFill>
+                  <a:schemeClr val="tx1"/>
+                </a:solidFill>
+                <a:latin typeface="Arial" panose="020B0604020202020204" pitchFamily="34" charset="0"/>
+                <a:cs typeface="Arial" panose="020B0604020202020204" pitchFamily="34" charset="0"/>
+              </a:rPr>
+              <a:t>: base</a:t>
+            </a:r>
+          </a:p>
+          <a:p>
+            <a:pPr algn="ctr"/>
+            <a:r>
+              <a:rPr lang="es-ES" sz="900" i="1" dirty="0" smtClean="0">
+                <a:solidFill>
+                  <a:schemeClr val="tx1"/>
+                </a:solidFill>
+                <a:latin typeface="Arial" panose="020B0604020202020204" pitchFamily="34" charset="0"/>
+                <a:cs typeface="Arial" panose="020B0604020202020204" pitchFamily="34" charset="0"/>
+              </a:rPr>
+              <a:t>n</a:t>
+            </a:r>
+            <a:r>
+              <a:rPr lang="es-ES" sz="900" dirty="0" smtClean="0">
+                <a:solidFill>
+                  <a:schemeClr val="tx1"/>
+                </a:solidFill>
+                <a:latin typeface="Arial" panose="020B0604020202020204" pitchFamily="34" charset="0"/>
+                <a:cs typeface="Arial" panose="020B0604020202020204" pitchFamily="34" charset="0"/>
+              </a:rPr>
+              <a:t>:exponente</a:t>
+            </a:r>
+          </a:p>
+          <a:p>
+            <a:pPr algn="ctr"/>
+            <a:r>
+              <a:rPr lang="es-ES" sz="900" i="1" dirty="0" smtClean="0">
+                <a:solidFill>
+                  <a:schemeClr val="tx1"/>
+                </a:solidFill>
+                <a:latin typeface="Arial" panose="020B0604020202020204" pitchFamily="34" charset="0"/>
+                <a:cs typeface="Arial" panose="020B0604020202020204" pitchFamily="34" charset="0"/>
+              </a:rPr>
+              <a:t>c</a:t>
+            </a:r>
+            <a:r>
+              <a:rPr lang="es-ES" sz="900" dirty="0" smtClean="0">
+                <a:solidFill>
+                  <a:schemeClr val="tx1"/>
+                </a:solidFill>
+                <a:latin typeface="Arial" panose="020B0604020202020204" pitchFamily="34" charset="0"/>
+                <a:cs typeface="Arial" panose="020B0604020202020204" pitchFamily="34" charset="0"/>
+              </a:rPr>
+              <a:t>:potencia</a:t>
             </a:r>
             <a:endParaRPr lang="es-ES" sz="900" dirty="0">
               <a:solidFill>
@@ -3846,16 +3651,1087 @@
           </a:p>
         </p:txBody>
       </p:sp>
+      <p:cxnSp>
+        <p:nvCxnSpPr>
+          <p:cNvPr id="125" name="Conector angular 124"/>
+          <p:cNvCxnSpPr/>
+          <p:nvPr/>
+        </p:nvCxnSpPr>
+        <p:spPr>
+          <a:xfrm rot="16200000" flipH="1">
+            <a:off x="1168373" y="2453919"/>
+            <a:ext cx="133404" cy="290"/>
+          </a:xfrm>
+          <a:prstGeom prst="bentConnector3">
+            <a:avLst>
+              <a:gd name="adj1" fmla="val 50000"/>
+            </a:avLst>
+          </a:prstGeom>
+          <a:ln w="12700">
+            <a:solidFill>
+              <a:schemeClr val="tx1"/>
+            </a:solidFill>
+          </a:ln>
+        </p:spPr>
+        <p:style>
+          <a:lnRef idx="1">
+            <a:schemeClr val="accent1"/>
+          </a:lnRef>
+          <a:fillRef idx="0">
+            <a:schemeClr val="accent1"/>
+          </a:fillRef>
+          <a:effectRef idx="0">
+            <a:schemeClr val="accent1"/>
+          </a:effectRef>
+          <a:fontRef idx="minor">
+            <a:schemeClr val="tx1"/>
+          </a:fontRef>
+        </p:style>
+      </p:cxnSp>
+      <p:cxnSp>
+        <p:nvCxnSpPr>
+          <p:cNvPr id="126" name="Conector angular 125"/>
+          <p:cNvCxnSpPr/>
+          <p:nvPr/>
+        </p:nvCxnSpPr>
+        <p:spPr>
+          <a:xfrm rot="16200000" flipH="1">
+            <a:off x="1155089" y="2734373"/>
+            <a:ext cx="133404" cy="290"/>
+          </a:xfrm>
+          <a:prstGeom prst="bentConnector3">
+            <a:avLst>
+              <a:gd name="adj1" fmla="val 50000"/>
+            </a:avLst>
+          </a:prstGeom>
+          <a:ln w="12700">
+            <a:solidFill>
+              <a:schemeClr val="tx1"/>
+            </a:solidFill>
+          </a:ln>
+        </p:spPr>
+        <p:style>
+          <a:lnRef idx="1">
+            <a:schemeClr val="accent1"/>
+          </a:lnRef>
+          <a:fillRef idx="0">
+            <a:schemeClr val="accent1"/>
+          </a:fillRef>
+          <a:effectRef idx="0">
+            <a:schemeClr val="accent1"/>
+          </a:effectRef>
+          <a:fontRef idx="minor">
+            <a:schemeClr val="tx1"/>
+          </a:fontRef>
+        </p:style>
+      </p:cxnSp>
+      <p:cxnSp>
+        <p:nvCxnSpPr>
+          <p:cNvPr id="127" name="Conector angular 126"/>
+          <p:cNvCxnSpPr/>
+          <p:nvPr/>
+        </p:nvCxnSpPr>
+        <p:spPr>
+          <a:xfrm rot="16200000" flipH="1">
+            <a:off x="1155089" y="3155240"/>
+            <a:ext cx="133404" cy="290"/>
+          </a:xfrm>
+          <a:prstGeom prst="bentConnector3">
+            <a:avLst>
+              <a:gd name="adj1" fmla="val 50000"/>
+            </a:avLst>
+          </a:prstGeom>
+          <a:ln w="12700">
+            <a:solidFill>
+              <a:schemeClr val="tx1"/>
+            </a:solidFill>
+          </a:ln>
+        </p:spPr>
+        <p:style>
+          <a:lnRef idx="1">
+            <a:schemeClr val="accent1"/>
+          </a:lnRef>
+          <a:fillRef idx="0">
+            <a:schemeClr val="accent1"/>
+          </a:fillRef>
+          <a:effectRef idx="0">
+            <a:schemeClr val="accent1"/>
+          </a:effectRef>
+          <a:fontRef idx="minor">
+            <a:schemeClr val="tx1"/>
+          </a:fontRef>
+        </p:style>
+      </p:cxnSp>
+      <p:cxnSp>
+        <p:nvCxnSpPr>
+          <p:cNvPr id="128" name="Conector angular 127"/>
+          <p:cNvCxnSpPr/>
+          <p:nvPr/>
+        </p:nvCxnSpPr>
+        <p:spPr>
+          <a:xfrm rot="16200000" flipH="1">
+            <a:off x="1154799" y="3408268"/>
+            <a:ext cx="133404" cy="290"/>
+          </a:xfrm>
+          <a:prstGeom prst="bentConnector3">
+            <a:avLst>
+              <a:gd name="adj1" fmla="val 50000"/>
+            </a:avLst>
+          </a:prstGeom>
+          <a:ln w="12700">
+            <a:solidFill>
+              <a:schemeClr val="tx1"/>
+            </a:solidFill>
+          </a:ln>
+        </p:spPr>
+        <p:style>
+          <a:lnRef idx="1">
+            <a:schemeClr val="accent1"/>
+          </a:lnRef>
+          <a:fillRef idx="0">
+            <a:schemeClr val="accent1"/>
+          </a:fillRef>
+          <a:effectRef idx="0">
+            <a:schemeClr val="accent1"/>
+          </a:effectRef>
+          <a:fontRef idx="minor">
+            <a:schemeClr val="tx1"/>
+          </a:fontRef>
+        </p:style>
+      </p:cxnSp>
+      <p:cxnSp>
+        <p:nvCxnSpPr>
+          <p:cNvPr id="129" name="Conector angular 128"/>
+          <p:cNvCxnSpPr/>
+          <p:nvPr/>
+        </p:nvCxnSpPr>
+        <p:spPr>
+          <a:xfrm rot="16200000" flipH="1">
+            <a:off x="1134060" y="4047694"/>
+            <a:ext cx="133404" cy="290"/>
+          </a:xfrm>
+          <a:prstGeom prst="bentConnector3">
+            <a:avLst>
+              <a:gd name="adj1" fmla="val 50000"/>
+            </a:avLst>
+          </a:prstGeom>
+          <a:ln w="12700">
+            <a:solidFill>
+              <a:schemeClr val="tx1"/>
+            </a:solidFill>
+          </a:ln>
+        </p:spPr>
+        <p:style>
+          <a:lnRef idx="1">
+            <a:schemeClr val="accent1"/>
+          </a:lnRef>
+          <a:fillRef idx="0">
+            <a:schemeClr val="accent1"/>
+          </a:fillRef>
+          <a:effectRef idx="0">
+            <a:schemeClr val="accent1"/>
+          </a:effectRef>
+          <a:fontRef idx="minor">
+            <a:schemeClr val="tx1"/>
+          </a:fontRef>
+        </p:style>
+      </p:cxnSp>
+      <p:cxnSp>
+        <p:nvCxnSpPr>
+          <p:cNvPr id="131" name="Conector angular 130"/>
+          <p:cNvCxnSpPr/>
+          <p:nvPr/>
+        </p:nvCxnSpPr>
+        <p:spPr>
+          <a:xfrm rot="16200000" flipH="1">
+            <a:off x="1132309" y="4315395"/>
+            <a:ext cx="133404" cy="290"/>
+          </a:xfrm>
+          <a:prstGeom prst="bentConnector3">
+            <a:avLst>
+              <a:gd name="adj1" fmla="val 50000"/>
+            </a:avLst>
+          </a:prstGeom>
+          <a:ln w="12700">
+            <a:solidFill>
+              <a:schemeClr val="tx1"/>
+            </a:solidFill>
+          </a:ln>
+        </p:spPr>
+        <p:style>
+          <a:lnRef idx="1">
+            <a:schemeClr val="accent1"/>
+          </a:lnRef>
+          <a:fillRef idx="0">
+            <a:schemeClr val="accent1"/>
+          </a:fillRef>
+          <a:effectRef idx="0">
+            <a:schemeClr val="accent1"/>
+          </a:effectRef>
+          <a:fontRef idx="minor">
+            <a:schemeClr val="tx1"/>
+          </a:fontRef>
+        </p:style>
+      </p:cxnSp>
+      <p:cxnSp>
+        <p:nvCxnSpPr>
+          <p:cNvPr id="132" name="Conector angular 131"/>
+          <p:cNvCxnSpPr/>
+          <p:nvPr/>
+        </p:nvCxnSpPr>
+        <p:spPr>
+          <a:xfrm rot="16200000" flipH="1">
+            <a:off x="1132019" y="4808610"/>
+            <a:ext cx="133404" cy="290"/>
+          </a:xfrm>
+          <a:prstGeom prst="bentConnector3">
+            <a:avLst>
+              <a:gd name="adj1" fmla="val 50000"/>
+            </a:avLst>
+          </a:prstGeom>
+          <a:ln w="12700">
+            <a:solidFill>
+              <a:schemeClr val="tx1"/>
+            </a:solidFill>
+          </a:ln>
+        </p:spPr>
+        <p:style>
+          <a:lnRef idx="1">
+            <a:schemeClr val="accent1"/>
+          </a:lnRef>
+          <a:fillRef idx="0">
+            <a:schemeClr val="accent1"/>
+          </a:fillRef>
+          <a:effectRef idx="0">
+            <a:schemeClr val="accent1"/>
+          </a:effectRef>
+          <a:fontRef idx="minor">
+            <a:schemeClr val="tx1"/>
+          </a:fontRef>
+        </p:style>
+      </p:cxnSp>
+      <p:cxnSp>
+        <p:nvCxnSpPr>
+          <p:cNvPr id="135" name="Conector angular 134"/>
+          <p:cNvCxnSpPr/>
+          <p:nvPr/>
+        </p:nvCxnSpPr>
+        <p:spPr>
+          <a:xfrm rot="16200000" flipH="1">
+            <a:off x="1127388" y="5098414"/>
+            <a:ext cx="133404" cy="290"/>
+          </a:xfrm>
+          <a:prstGeom prst="bentConnector3">
+            <a:avLst>
+              <a:gd name="adj1" fmla="val 50000"/>
+            </a:avLst>
+          </a:prstGeom>
+          <a:ln w="12700">
+            <a:solidFill>
+              <a:schemeClr val="tx1"/>
+            </a:solidFill>
+          </a:ln>
+        </p:spPr>
+        <p:style>
+          <a:lnRef idx="1">
+            <a:schemeClr val="accent1"/>
+          </a:lnRef>
+          <a:fillRef idx="0">
+            <a:schemeClr val="accent1"/>
+          </a:fillRef>
+          <a:effectRef idx="0">
+            <a:schemeClr val="accent1"/>
+          </a:effectRef>
+          <a:fontRef idx="minor">
+            <a:schemeClr val="tx1"/>
+          </a:fontRef>
+        </p:style>
+      </p:cxnSp>
+      <p:cxnSp>
+        <p:nvCxnSpPr>
+          <p:cNvPr id="146" name="Conector angular 145"/>
+          <p:cNvCxnSpPr/>
+          <p:nvPr/>
+        </p:nvCxnSpPr>
+        <p:spPr>
+          <a:xfrm rot="16200000" flipH="1">
+            <a:off x="3146049" y="1795207"/>
+            <a:ext cx="133404" cy="290"/>
+          </a:xfrm>
+          <a:prstGeom prst="bentConnector3">
+            <a:avLst>
+              <a:gd name="adj1" fmla="val 50000"/>
+            </a:avLst>
+          </a:prstGeom>
+          <a:ln w="12700">
+            <a:solidFill>
+              <a:schemeClr val="tx1"/>
+            </a:solidFill>
+          </a:ln>
+        </p:spPr>
+        <p:style>
+          <a:lnRef idx="1">
+            <a:schemeClr val="accent1"/>
+          </a:lnRef>
+          <a:fillRef idx="0">
+            <a:schemeClr val="accent1"/>
+          </a:fillRef>
+          <a:effectRef idx="0">
+            <a:schemeClr val="accent1"/>
+          </a:effectRef>
+          <a:fontRef idx="minor">
+            <a:schemeClr val="tx1"/>
+          </a:fontRef>
+        </p:style>
+      </p:cxnSp>
+      <p:cxnSp>
+        <p:nvCxnSpPr>
+          <p:cNvPr id="147" name="Conector angular 146"/>
+          <p:cNvCxnSpPr/>
+          <p:nvPr/>
+        </p:nvCxnSpPr>
+        <p:spPr>
+          <a:xfrm rot="16200000" flipH="1">
+            <a:off x="3147800" y="2296061"/>
+            <a:ext cx="133404" cy="290"/>
+          </a:xfrm>
+          <a:prstGeom prst="bentConnector3">
+            <a:avLst>
+              <a:gd name="adj1" fmla="val 230821"/>
+            </a:avLst>
+          </a:prstGeom>
+          <a:ln w="12700">
+            <a:solidFill>
+              <a:schemeClr val="tx1"/>
+            </a:solidFill>
+          </a:ln>
+        </p:spPr>
+        <p:style>
+          <a:lnRef idx="1">
+            <a:schemeClr val="accent1"/>
+          </a:lnRef>
+          <a:fillRef idx="0">
+            <a:schemeClr val="accent1"/>
+          </a:fillRef>
+          <a:effectRef idx="0">
+            <a:schemeClr val="accent1"/>
+          </a:effectRef>
+          <a:fontRef idx="minor">
+            <a:schemeClr val="tx1"/>
+          </a:fontRef>
+        </p:style>
+      </p:cxnSp>
       <p:sp>
         <p:nvSpPr>
-          <p:cNvPr id="325" name="Rectángulo 324" descr="Nodo de quinto nivel" title="Nodo05"/>
+          <p:cNvPr id="153" name="CuadroTexto 152" descr="Conector entre nodos" title="conector"/>
+          <p:cNvSpPr txBox="1"/>
+          <p:nvPr/>
+        </p:nvSpPr>
+        <p:spPr>
+          <a:xfrm>
+            <a:off x="3529982" y="3300742"/>
+            <a:ext cx="1243927" cy="230832"/>
+          </a:xfrm>
+          <a:prstGeom prst="rect">
+            <a:avLst/>
+          </a:prstGeom>
+          <a:noFill/>
+        </p:spPr>
+        <p:txBody>
+          <a:bodyPr wrap="square" rtlCol="0">
+            <a:spAutoFit/>
+          </a:bodyPr>
+          <a:lstStyle/>
+          <a:p>
+            <a:pPr algn="ctr"/>
+            <a:r>
+              <a:rPr lang="es-ES" sz="900" dirty="0" smtClean="0">
+                <a:latin typeface="Arial" panose="020B0604020202020204" pitchFamily="34" charset="0"/>
+                <a:cs typeface="Arial" panose="020B0604020202020204" pitchFamily="34" charset="0"/>
+              </a:rPr>
+              <a:t>se aplican a</a:t>
+            </a:r>
+            <a:endParaRPr lang="es-ES" sz="900" dirty="0">
+              <a:latin typeface="Arial" panose="020B0604020202020204" pitchFamily="34" charset="0"/>
+              <a:cs typeface="Arial" panose="020B0604020202020204" pitchFamily="34" charset="0"/>
+            </a:endParaRPr>
+          </a:p>
+        </p:txBody>
+      </p:sp>
+      <p:cxnSp>
+        <p:nvCxnSpPr>
+          <p:cNvPr id="157" name="Conector angular 156"/>
+          <p:cNvCxnSpPr/>
+          <p:nvPr/>
+        </p:nvCxnSpPr>
+        <p:spPr>
+          <a:xfrm rot="16200000" flipH="1">
+            <a:off x="2568888" y="5098414"/>
+            <a:ext cx="133404" cy="290"/>
+          </a:xfrm>
+          <a:prstGeom prst="bentConnector3">
+            <a:avLst>
+              <a:gd name="adj1" fmla="val 50000"/>
+            </a:avLst>
+          </a:prstGeom>
+          <a:ln w="12700">
+            <a:solidFill>
+              <a:schemeClr val="tx1"/>
+            </a:solidFill>
+          </a:ln>
+        </p:spPr>
+        <p:style>
+          <a:lnRef idx="1">
+            <a:schemeClr val="accent1"/>
+          </a:lnRef>
+          <a:fillRef idx="0">
+            <a:schemeClr val="accent1"/>
+          </a:fillRef>
+          <a:effectRef idx="0">
+            <a:schemeClr val="accent1"/>
+          </a:effectRef>
+          <a:fontRef idx="minor">
+            <a:schemeClr val="tx1"/>
+          </a:fontRef>
+        </p:style>
+      </p:cxnSp>
+      <p:cxnSp>
+        <p:nvCxnSpPr>
+          <p:cNvPr id="158" name="Conector angular 157"/>
+          <p:cNvCxnSpPr/>
+          <p:nvPr/>
+        </p:nvCxnSpPr>
+        <p:spPr>
+          <a:xfrm rot="16200000" flipH="1">
+            <a:off x="2580922" y="3244300"/>
+            <a:ext cx="133404" cy="290"/>
+          </a:xfrm>
+          <a:prstGeom prst="bentConnector3">
+            <a:avLst>
+              <a:gd name="adj1" fmla="val 50000"/>
+            </a:avLst>
+          </a:prstGeom>
+          <a:ln w="12700">
+            <a:solidFill>
+              <a:schemeClr val="tx1"/>
+            </a:solidFill>
+          </a:ln>
+        </p:spPr>
+        <p:style>
+          <a:lnRef idx="1">
+            <a:schemeClr val="accent1"/>
+          </a:lnRef>
+          <a:fillRef idx="0">
+            <a:schemeClr val="accent1"/>
+          </a:fillRef>
+          <a:effectRef idx="0">
+            <a:schemeClr val="accent1"/>
+          </a:effectRef>
+          <a:fontRef idx="minor">
+            <a:schemeClr val="tx1"/>
+          </a:fontRef>
+        </p:style>
+      </p:cxnSp>
+      <p:cxnSp>
+        <p:nvCxnSpPr>
+          <p:cNvPr id="159" name="Conector angular 158"/>
+          <p:cNvCxnSpPr/>
+          <p:nvPr/>
+        </p:nvCxnSpPr>
+        <p:spPr>
+          <a:xfrm rot="16200000" flipH="1">
+            <a:off x="2580922" y="3566413"/>
+            <a:ext cx="133404" cy="290"/>
+          </a:xfrm>
+          <a:prstGeom prst="bentConnector3">
+            <a:avLst>
+              <a:gd name="adj1" fmla="val 50000"/>
+            </a:avLst>
+          </a:prstGeom>
+          <a:ln w="12700">
+            <a:solidFill>
+              <a:schemeClr val="tx1"/>
+            </a:solidFill>
+          </a:ln>
+        </p:spPr>
+        <p:style>
+          <a:lnRef idx="1">
+            <a:schemeClr val="accent1"/>
+          </a:lnRef>
+          <a:fillRef idx="0">
+            <a:schemeClr val="accent1"/>
+          </a:fillRef>
+          <a:effectRef idx="0">
+            <a:schemeClr val="accent1"/>
+          </a:effectRef>
+          <a:fontRef idx="minor">
+            <a:schemeClr val="tx1"/>
+          </a:fontRef>
+        </p:style>
+      </p:cxnSp>
+      <p:cxnSp>
+        <p:nvCxnSpPr>
+          <p:cNvPr id="160" name="Conector angular 159"/>
+          <p:cNvCxnSpPr/>
+          <p:nvPr/>
+        </p:nvCxnSpPr>
+        <p:spPr>
+          <a:xfrm rot="16200000" flipH="1">
+            <a:off x="3573487" y="2341907"/>
+            <a:ext cx="211172" cy="888694"/>
+          </a:xfrm>
+          <a:prstGeom prst="bentConnector3">
+            <a:avLst>
+              <a:gd name="adj1" fmla="val 50000"/>
+            </a:avLst>
+          </a:prstGeom>
+          <a:ln w="12700">
+            <a:solidFill>
+              <a:schemeClr val="tx1"/>
+            </a:solidFill>
+          </a:ln>
+        </p:spPr>
+        <p:style>
+          <a:lnRef idx="1">
+            <a:schemeClr val="accent1"/>
+          </a:lnRef>
+          <a:fillRef idx="0">
+            <a:schemeClr val="accent1"/>
+          </a:fillRef>
+          <a:effectRef idx="0">
+            <a:schemeClr val="accent1"/>
+          </a:effectRef>
+          <a:fontRef idx="minor">
+            <a:schemeClr val="tx1"/>
+          </a:fontRef>
+        </p:style>
+      </p:cxnSp>
+      <p:cxnSp>
+        <p:nvCxnSpPr>
+          <p:cNvPr id="162" name="Conector angular 161"/>
+          <p:cNvCxnSpPr/>
+          <p:nvPr/>
+        </p:nvCxnSpPr>
+        <p:spPr>
+          <a:xfrm rot="16200000" flipH="1">
+            <a:off x="2582874" y="4810463"/>
+            <a:ext cx="133404" cy="290"/>
+          </a:xfrm>
+          <a:prstGeom prst="bentConnector3">
+            <a:avLst>
+              <a:gd name="adj1" fmla="val 50000"/>
+            </a:avLst>
+          </a:prstGeom>
+          <a:ln w="12700">
+            <a:solidFill>
+              <a:schemeClr val="tx1"/>
+            </a:solidFill>
+          </a:ln>
+        </p:spPr>
+        <p:style>
+          <a:lnRef idx="1">
+            <a:schemeClr val="accent1"/>
+          </a:lnRef>
+          <a:fillRef idx="0">
+            <a:schemeClr val="accent1"/>
+          </a:fillRef>
+          <a:effectRef idx="0">
+            <a:schemeClr val="accent1"/>
+          </a:effectRef>
+          <a:fontRef idx="minor">
+            <a:schemeClr val="tx1"/>
+          </a:fontRef>
+        </p:style>
+      </p:cxnSp>
+      <p:cxnSp>
+        <p:nvCxnSpPr>
+          <p:cNvPr id="163" name="Conector angular 162"/>
+          <p:cNvCxnSpPr/>
+          <p:nvPr/>
+        </p:nvCxnSpPr>
+        <p:spPr>
+          <a:xfrm rot="5400000" flipH="1" flipV="1">
+            <a:off x="2876182" y="2547120"/>
+            <a:ext cx="109598" cy="588580"/>
+          </a:xfrm>
+          <a:prstGeom prst="bentConnector2">
+            <a:avLst/>
+          </a:prstGeom>
+          <a:ln w="12700">
+            <a:solidFill>
+              <a:schemeClr val="tx1"/>
+            </a:solidFill>
+          </a:ln>
+        </p:spPr>
+        <p:style>
+          <a:lnRef idx="1">
+            <a:schemeClr val="accent1"/>
+          </a:lnRef>
+          <a:fillRef idx="0">
+            <a:schemeClr val="accent1"/>
+          </a:fillRef>
+          <a:effectRef idx="0">
+            <a:schemeClr val="accent1"/>
+          </a:effectRef>
+          <a:fontRef idx="minor">
+            <a:schemeClr val="tx1"/>
+          </a:fontRef>
+        </p:style>
+      </p:cxnSp>
+      <p:cxnSp>
+        <p:nvCxnSpPr>
+          <p:cNvPr id="167" name="Conector angular 166"/>
+          <p:cNvCxnSpPr/>
+          <p:nvPr/>
+        </p:nvCxnSpPr>
+        <p:spPr>
+          <a:xfrm rot="16200000" flipH="1">
+            <a:off x="4049791" y="3272973"/>
+            <a:ext cx="133404" cy="290"/>
+          </a:xfrm>
+          <a:prstGeom prst="bentConnector3">
+            <a:avLst>
+              <a:gd name="adj1" fmla="val 50000"/>
+            </a:avLst>
+          </a:prstGeom>
+          <a:ln w="12700">
+            <a:solidFill>
+              <a:schemeClr val="tx1"/>
+            </a:solidFill>
+          </a:ln>
+        </p:spPr>
+        <p:style>
+          <a:lnRef idx="1">
+            <a:schemeClr val="accent1"/>
+          </a:lnRef>
+          <a:fillRef idx="0">
+            <a:schemeClr val="accent1"/>
+          </a:fillRef>
+          <a:effectRef idx="0">
+            <a:schemeClr val="accent1"/>
+          </a:effectRef>
+          <a:fontRef idx="minor">
+            <a:schemeClr val="tx1"/>
+          </a:fontRef>
+        </p:style>
+      </p:cxnSp>
+      <p:sp>
+        <p:nvSpPr>
+          <p:cNvPr id="168" name="CuadroTexto 167" descr="Conector entre nodos" title="conector"/>
+          <p:cNvSpPr txBox="1"/>
+          <p:nvPr/>
+        </p:nvSpPr>
+        <p:spPr>
+          <a:xfrm>
+            <a:off x="1974386" y="3305062"/>
+            <a:ext cx="1243927" cy="230832"/>
+          </a:xfrm>
+          <a:prstGeom prst="rect">
+            <a:avLst/>
+          </a:prstGeom>
+          <a:noFill/>
+        </p:spPr>
+        <p:txBody>
+          <a:bodyPr wrap="square" rtlCol="0">
+            <a:spAutoFit/>
+          </a:bodyPr>
+          <a:lstStyle/>
+          <a:p>
+            <a:pPr algn="ctr"/>
+            <a:r>
+              <a:rPr lang="es-ES" sz="900" dirty="0" smtClean="0">
+                <a:latin typeface="Arial" panose="020B0604020202020204" pitchFamily="34" charset="0"/>
+                <a:cs typeface="Arial" panose="020B0604020202020204" pitchFamily="34" charset="0"/>
+              </a:rPr>
+              <a:t>se aplican a</a:t>
+            </a:r>
+            <a:endParaRPr lang="es-ES" sz="900" dirty="0">
+              <a:latin typeface="Arial" panose="020B0604020202020204" pitchFamily="34" charset="0"/>
+              <a:cs typeface="Arial" panose="020B0604020202020204" pitchFamily="34" charset="0"/>
+            </a:endParaRPr>
+          </a:p>
+        </p:txBody>
+      </p:sp>
+      <p:cxnSp>
+        <p:nvCxnSpPr>
+          <p:cNvPr id="170" name="Conector angular 169"/>
+          <p:cNvCxnSpPr/>
+          <p:nvPr/>
+        </p:nvCxnSpPr>
+        <p:spPr>
+          <a:xfrm rot="16200000" flipH="1">
+            <a:off x="4038530" y="3567312"/>
+            <a:ext cx="133404" cy="290"/>
+          </a:xfrm>
+          <a:prstGeom prst="bentConnector3">
+            <a:avLst>
+              <a:gd name="adj1" fmla="val 50000"/>
+            </a:avLst>
+          </a:prstGeom>
+          <a:ln w="12700">
+            <a:solidFill>
+              <a:schemeClr val="tx1"/>
+            </a:solidFill>
+          </a:ln>
+        </p:spPr>
+        <p:style>
+          <a:lnRef idx="1">
+            <a:schemeClr val="accent1"/>
+          </a:lnRef>
+          <a:fillRef idx="0">
+            <a:schemeClr val="accent1"/>
+          </a:fillRef>
+          <a:effectRef idx="0">
+            <a:schemeClr val="accent1"/>
+          </a:effectRef>
+          <a:fontRef idx="minor">
+            <a:schemeClr val="tx1"/>
+          </a:fontRef>
+        </p:style>
+      </p:cxnSp>
+      <p:cxnSp>
+        <p:nvCxnSpPr>
+          <p:cNvPr id="171" name="Conector angular 170"/>
+          <p:cNvCxnSpPr/>
+          <p:nvPr/>
+        </p:nvCxnSpPr>
+        <p:spPr>
+          <a:xfrm rot="16200000" flipH="1">
+            <a:off x="4036124" y="4585970"/>
+            <a:ext cx="133404" cy="290"/>
+          </a:xfrm>
+          <a:prstGeom prst="bentConnector3">
+            <a:avLst>
+              <a:gd name="adj1" fmla="val 178519"/>
+            </a:avLst>
+          </a:prstGeom>
+          <a:ln w="12700">
+            <a:solidFill>
+              <a:schemeClr val="tx1"/>
+            </a:solidFill>
+          </a:ln>
+        </p:spPr>
+        <p:style>
+          <a:lnRef idx="1">
+            <a:schemeClr val="accent1"/>
+          </a:lnRef>
+          <a:fillRef idx="0">
+            <a:schemeClr val="accent1"/>
+          </a:fillRef>
+          <a:effectRef idx="0">
+            <a:schemeClr val="accent1"/>
+          </a:effectRef>
+          <a:fontRef idx="minor">
+            <a:schemeClr val="tx1"/>
+          </a:fontRef>
+        </p:style>
+      </p:cxnSp>
+      <p:cxnSp>
+        <p:nvCxnSpPr>
+          <p:cNvPr id="174" name="Conector angular 173"/>
+          <p:cNvCxnSpPr/>
+          <p:nvPr/>
+        </p:nvCxnSpPr>
+        <p:spPr>
+          <a:xfrm rot="16200000" flipH="1">
+            <a:off x="4026797" y="5082205"/>
+            <a:ext cx="133404" cy="290"/>
+          </a:xfrm>
+          <a:prstGeom prst="bentConnector3">
+            <a:avLst>
+              <a:gd name="adj1" fmla="val 50000"/>
+            </a:avLst>
+          </a:prstGeom>
+          <a:ln w="12700">
+            <a:solidFill>
+              <a:schemeClr val="tx1"/>
+            </a:solidFill>
+          </a:ln>
+        </p:spPr>
+        <p:style>
+          <a:lnRef idx="1">
+            <a:schemeClr val="accent1"/>
+          </a:lnRef>
+          <a:fillRef idx="0">
+            <a:schemeClr val="accent1"/>
+          </a:fillRef>
+          <a:effectRef idx="0">
+            <a:schemeClr val="accent1"/>
+          </a:effectRef>
+          <a:fontRef idx="minor">
+            <a:schemeClr val="tx1"/>
+          </a:fontRef>
+        </p:style>
+      </p:cxnSp>
+      <p:cxnSp>
+        <p:nvCxnSpPr>
+          <p:cNvPr id="175" name="Conector angular 174"/>
+          <p:cNvCxnSpPr>
+            <a:endCxn id="335" idx="0"/>
+          </p:cNvCxnSpPr>
+          <p:nvPr/>
+        </p:nvCxnSpPr>
+        <p:spPr>
+          <a:xfrm>
+            <a:off x="4508160" y="711872"/>
+            <a:ext cx="3458295" cy="241607"/>
+          </a:xfrm>
+          <a:prstGeom prst="bentConnector2">
+            <a:avLst/>
+          </a:prstGeom>
+          <a:ln w="12700">
+            <a:solidFill>
+              <a:schemeClr val="tx1"/>
+            </a:solidFill>
+          </a:ln>
+        </p:spPr>
+        <p:style>
+          <a:lnRef idx="1">
+            <a:schemeClr val="accent1"/>
+          </a:lnRef>
+          <a:fillRef idx="0">
+            <a:schemeClr val="accent1"/>
+          </a:fillRef>
+          <a:effectRef idx="0">
+            <a:schemeClr val="accent1"/>
+          </a:effectRef>
+          <a:fontRef idx="minor">
+            <a:schemeClr val="tx1"/>
+          </a:fontRef>
+        </p:style>
+      </p:cxnSp>
+      <p:cxnSp>
+        <p:nvCxnSpPr>
+          <p:cNvPr id="180" name="Conector angular 179"/>
+          <p:cNvCxnSpPr/>
+          <p:nvPr/>
+        </p:nvCxnSpPr>
+        <p:spPr>
+          <a:xfrm rot="16200000" flipH="1">
+            <a:off x="5386627" y="483897"/>
+            <a:ext cx="133404" cy="290"/>
+          </a:xfrm>
+          <a:prstGeom prst="bentConnector3">
+            <a:avLst>
+              <a:gd name="adj1" fmla="val 389392"/>
+            </a:avLst>
+          </a:prstGeom>
+          <a:ln w="12700">
+            <a:solidFill>
+              <a:schemeClr val="tx1"/>
+            </a:solidFill>
+          </a:ln>
+        </p:spPr>
+        <p:style>
+          <a:lnRef idx="1">
+            <a:schemeClr val="accent1"/>
+          </a:lnRef>
+          <a:fillRef idx="0">
+            <a:schemeClr val="accent1"/>
+          </a:fillRef>
+          <a:effectRef idx="0">
+            <a:schemeClr val="accent1"/>
+          </a:effectRef>
+          <a:fontRef idx="minor">
+            <a:schemeClr val="tx1"/>
+          </a:fontRef>
+        </p:style>
+      </p:cxnSp>
+      <p:cxnSp>
+        <p:nvCxnSpPr>
+          <p:cNvPr id="182" name="Conector angular 181"/>
+          <p:cNvCxnSpPr/>
+          <p:nvPr/>
+        </p:nvCxnSpPr>
+        <p:spPr>
+          <a:xfrm rot="16200000" flipH="1">
+            <a:off x="5401582" y="1374370"/>
+            <a:ext cx="133404" cy="290"/>
+          </a:xfrm>
+          <a:prstGeom prst="bentConnector3">
+            <a:avLst>
+              <a:gd name="adj1" fmla="val 148977"/>
+            </a:avLst>
+          </a:prstGeom>
+          <a:ln w="12700">
+            <a:solidFill>
+              <a:schemeClr val="tx1"/>
+            </a:solidFill>
+          </a:ln>
+        </p:spPr>
+        <p:style>
+          <a:lnRef idx="1">
+            <a:schemeClr val="accent1"/>
+          </a:lnRef>
+          <a:fillRef idx="0">
+            <a:schemeClr val="accent1"/>
+          </a:fillRef>
+          <a:effectRef idx="0">
+            <a:schemeClr val="accent1"/>
+          </a:effectRef>
+          <a:fontRef idx="minor">
+            <a:schemeClr val="tx1"/>
+          </a:fontRef>
+        </p:style>
+      </p:cxnSp>
+      <p:cxnSp>
+        <p:nvCxnSpPr>
+          <p:cNvPr id="194" name="Conector angular 193"/>
+          <p:cNvCxnSpPr/>
+          <p:nvPr/>
+        </p:nvCxnSpPr>
+        <p:spPr>
+          <a:xfrm rot="16200000" flipH="1">
+            <a:off x="5420765" y="1735868"/>
+            <a:ext cx="133404" cy="290"/>
+          </a:xfrm>
+          <a:prstGeom prst="bentConnector3">
+            <a:avLst>
+              <a:gd name="adj1" fmla="val 148977"/>
+            </a:avLst>
+          </a:prstGeom>
+          <a:ln w="12700">
+            <a:solidFill>
+              <a:schemeClr val="tx1"/>
+            </a:solidFill>
+          </a:ln>
+        </p:spPr>
+        <p:style>
+          <a:lnRef idx="1">
+            <a:schemeClr val="accent1"/>
+          </a:lnRef>
+          <a:fillRef idx="0">
+            <a:schemeClr val="accent1"/>
+          </a:fillRef>
+          <a:effectRef idx="0">
+            <a:schemeClr val="accent1"/>
+          </a:effectRef>
+          <a:fontRef idx="minor">
+            <a:schemeClr val="tx1"/>
+          </a:fontRef>
+        </p:style>
+      </p:cxnSp>
+      <p:sp>
+        <p:nvSpPr>
+          <p:cNvPr id="195" name="CuadroTexto 194" descr="Conector entre nodos" title="conector"/>
+          <p:cNvSpPr txBox="1"/>
+          <p:nvPr/>
+        </p:nvSpPr>
+        <p:spPr>
+          <a:xfrm>
+            <a:off x="4983602" y="2485802"/>
+            <a:ext cx="1117174" cy="230836"/>
+          </a:xfrm>
+          <a:prstGeom prst="rect">
+            <a:avLst/>
+          </a:prstGeom>
+          <a:noFill/>
+        </p:spPr>
+        <p:txBody>
+          <a:bodyPr wrap="square" rtlCol="0">
+            <a:spAutoFit/>
+          </a:bodyPr>
+          <a:lstStyle/>
+          <a:p>
+            <a:pPr algn="ctr"/>
+            <a:r>
+              <a:rPr lang="es-ES" sz="900" dirty="0" smtClean="0">
+                <a:latin typeface="Arial" panose="020B0604020202020204" pitchFamily="34" charset="0"/>
+                <a:cs typeface="Arial" panose="020B0604020202020204" pitchFamily="34" charset="0"/>
+              </a:rPr>
+              <a:t>se representa</a:t>
+            </a:r>
+            <a:endParaRPr lang="es-ES" sz="900" dirty="0">
+              <a:latin typeface="Arial" panose="020B0604020202020204" pitchFamily="34" charset="0"/>
+              <a:cs typeface="Arial" panose="020B0604020202020204" pitchFamily="34" charset="0"/>
+            </a:endParaRPr>
+          </a:p>
+        </p:txBody>
+      </p:sp>
+      <p:cxnSp>
+        <p:nvCxnSpPr>
+          <p:cNvPr id="198" name="Conector angular 197"/>
+          <p:cNvCxnSpPr/>
+          <p:nvPr/>
+        </p:nvCxnSpPr>
+        <p:spPr>
+          <a:xfrm rot="16200000" flipH="1">
+            <a:off x="5420765" y="2431457"/>
+            <a:ext cx="133404" cy="290"/>
+          </a:xfrm>
+          <a:prstGeom prst="bentConnector3">
+            <a:avLst>
+              <a:gd name="adj1" fmla="val 50000"/>
+            </a:avLst>
+          </a:prstGeom>
+          <a:ln w="12700">
+            <a:solidFill>
+              <a:schemeClr val="tx1"/>
+            </a:solidFill>
+          </a:ln>
+        </p:spPr>
+        <p:style>
+          <a:lnRef idx="1">
+            <a:schemeClr val="accent1"/>
+          </a:lnRef>
+          <a:fillRef idx="0">
+            <a:schemeClr val="accent1"/>
+          </a:fillRef>
+          <a:effectRef idx="0">
+            <a:schemeClr val="accent1"/>
+          </a:effectRef>
+          <a:fontRef idx="minor">
+            <a:schemeClr val="tx1"/>
+          </a:fontRef>
+        </p:style>
+      </p:cxnSp>
+      <p:cxnSp>
+        <p:nvCxnSpPr>
+          <p:cNvPr id="199" name="Conector angular 198"/>
+          <p:cNvCxnSpPr/>
+          <p:nvPr/>
+        </p:nvCxnSpPr>
+        <p:spPr>
+          <a:xfrm rot="16200000" flipH="1">
+            <a:off x="5419484" y="2782018"/>
+            <a:ext cx="133404" cy="290"/>
+          </a:xfrm>
+          <a:prstGeom prst="bentConnector3">
+            <a:avLst>
+              <a:gd name="adj1" fmla="val 50000"/>
+            </a:avLst>
+          </a:prstGeom>
+          <a:ln w="12700">
+            <a:solidFill>
+              <a:schemeClr val="tx1"/>
+            </a:solidFill>
+          </a:ln>
+        </p:spPr>
+        <p:style>
+          <a:lnRef idx="1">
+            <a:schemeClr val="accent1"/>
+          </a:lnRef>
+          <a:fillRef idx="0">
+            <a:schemeClr val="accent1"/>
+          </a:fillRef>
+          <a:effectRef idx="0">
+            <a:schemeClr val="accent1"/>
+          </a:effectRef>
+          <a:fontRef idx="minor">
+            <a:schemeClr val="tx1"/>
+          </a:fontRef>
+        </p:style>
+      </p:cxnSp>
+      <p:sp>
+        <p:nvSpPr>
+          <p:cNvPr id="204" name="Rectángulo 203" descr="Nodo de cuarto nivel&#10;" title="Nodo04"/>
           <p:cNvSpPr/>
           <p:nvPr/>
         </p:nvSpPr>
         <p:spPr>
           <a:xfrm>
-            <a:off x="5710348" y="5307025"/>
-            <a:ext cx="1118927" cy="1021985"/>
+            <a:off x="4992280" y="3658288"/>
+            <a:ext cx="1377293" cy="599199"/>
           </a:xfrm>
           <a:prstGeom prst="rect">
             <a:avLst/>
@@ -3887,26 +4763,27 @@
           <a:bodyPr rtlCol="0" anchor="ctr"/>
           <a:lstStyle/>
           <a:p>
-            <a:pPr indent="7938">
-              <a:buFont typeface="Arial" panose="020B0604020202020204" pitchFamily="34" charset="0"/>
-              <a:buChar char="•"/>
-            </a:pPr>
-            <a:r>
-              <a:rPr lang="es-ES" sz="900" dirty="0" smtClean="0">
+            <a:pPr algn="ctr"/>
+            <a:endParaRPr lang="es-ES" sz="900" i="1" dirty="0" smtClean="0">
+              <a:solidFill>
+                <a:schemeClr val="tx1"/>
+              </a:solidFill>
+              <a:latin typeface="Arial" panose="020B0604020202020204" pitchFamily="34" charset="0"/>
+              <a:cs typeface="Arial" panose="020B0604020202020204" pitchFamily="34" charset="0"/>
+            </a:endParaRPr>
+          </a:p>
+          <a:p>
+            <a:pPr algn="ctr"/>
+            <a:r>
+              <a:rPr lang="es-ES" sz="900" i="1" dirty="0" smtClean="0">
                 <a:solidFill>
                   <a:schemeClr val="tx1"/>
                 </a:solidFill>
                 <a:latin typeface="Arial" panose="020B0604020202020204" pitchFamily="34" charset="0"/>
                 <a:cs typeface="Arial" panose="020B0604020202020204" pitchFamily="34" charset="0"/>
               </a:rPr>
-              <a:t> Identificar los casos en los que no existe raíz.</a:t>
-            </a:r>
-          </a:p>
-          <a:p>
-            <a:pPr indent="7938">
-              <a:buFont typeface="Arial" panose="020B0604020202020204" pitchFamily="34" charset="0"/>
-              <a:buChar char="•"/>
-            </a:pPr>
+              <a:t>b</a:t>
+            </a:r>
             <a:r>
               <a:rPr lang="es-ES" sz="900" dirty="0" smtClean="0">
                 <a:solidFill>
@@ -3915,8 +4792,57 @@
                 <a:latin typeface="Arial" panose="020B0604020202020204" pitchFamily="34" charset="0"/>
                 <a:cs typeface="Arial" panose="020B0604020202020204" pitchFamily="34" charset="0"/>
               </a:rPr>
-              <a:t> Resolver problemas de aplicación</a:t>
-            </a:r>
+              <a:t>: radicando</a:t>
+            </a:r>
+          </a:p>
+          <a:p>
+            <a:pPr algn="ctr"/>
+            <a:r>
+              <a:rPr lang="es-ES" sz="900" i="1" dirty="0" smtClean="0">
+                <a:solidFill>
+                  <a:schemeClr val="tx1"/>
+                </a:solidFill>
+                <a:latin typeface="Arial" panose="020B0604020202020204" pitchFamily="34" charset="0"/>
+                <a:cs typeface="Arial" panose="020B0604020202020204" pitchFamily="34" charset="0"/>
+              </a:rPr>
+              <a:t>n</a:t>
+            </a:r>
+            <a:r>
+              <a:rPr lang="es-ES" sz="900" dirty="0" smtClean="0">
+                <a:solidFill>
+                  <a:schemeClr val="tx1"/>
+                </a:solidFill>
+                <a:latin typeface="Arial" panose="020B0604020202020204" pitchFamily="34" charset="0"/>
+                <a:cs typeface="Arial" panose="020B0604020202020204" pitchFamily="34" charset="0"/>
+              </a:rPr>
+              <a:t>: índice del radical</a:t>
+            </a:r>
+          </a:p>
+          <a:p>
+            <a:pPr algn="ctr"/>
+            <a:r>
+              <a:rPr lang="es-ES" sz="900" i="1" dirty="0" smtClean="0">
+                <a:solidFill>
+                  <a:schemeClr val="tx1"/>
+                </a:solidFill>
+                <a:latin typeface="Arial" panose="020B0604020202020204" pitchFamily="34" charset="0"/>
+                <a:cs typeface="Arial" panose="020B0604020202020204" pitchFamily="34" charset="0"/>
+              </a:rPr>
+              <a:t>c</a:t>
+            </a:r>
+            <a:r>
+              <a:rPr lang="es-ES" sz="900" dirty="0" smtClean="0">
+                <a:solidFill>
+                  <a:schemeClr val="tx1"/>
+                </a:solidFill>
+                <a:latin typeface="Arial" panose="020B0604020202020204" pitchFamily="34" charset="0"/>
+                <a:cs typeface="Arial" panose="020B0604020202020204" pitchFamily="34" charset="0"/>
+              </a:rPr>
+              <a:t>: raíz</a:t>
+            </a:r>
+          </a:p>
+          <a:p>
+            <a:pPr algn="ctr"/>
             <a:endParaRPr lang="es-ES" sz="900" dirty="0">
               <a:solidFill>
                 <a:schemeClr val="tx1"/>
@@ -3927,15 +4853,348 @@
           </a:p>
         </p:txBody>
       </p:sp>
+      <p:cxnSp>
+        <p:nvCxnSpPr>
+          <p:cNvPr id="205" name="Conector angular 204"/>
+          <p:cNvCxnSpPr/>
+          <p:nvPr/>
+        </p:nvCxnSpPr>
+        <p:spPr>
+          <a:xfrm rot="16200000" flipH="1">
+            <a:off x="5454966" y="3268332"/>
+            <a:ext cx="133404" cy="290"/>
+          </a:xfrm>
+          <a:prstGeom prst="bentConnector3">
+            <a:avLst>
+              <a:gd name="adj1" fmla="val 50000"/>
+            </a:avLst>
+          </a:prstGeom>
+          <a:ln w="12700">
+            <a:solidFill>
+              <a:schemeClr val="tx1"/>
+            </a:solidFill>
+          </a:ln>
+        </p:spPr>
+        <p:style>
+          <a:lnRef idx="1">
+            <a:schemeClr val="accent1"/>
+          </a:lnRef>
+          <a:fillRef idx="0">
+            <a:schemeClr val="accent1"/>
+          </a:fillRef>
+          <a:effectRef idx="0">
+            <a:schemeClr val="accent1"/>
+          </a:effectRef>
+          <a:fontRef idx="minor">
+            <a:schemeClr val="tx1"/>
+          </a:fontRef>
+        </p:style>
+      </p:cxnSp>
+      <p:cxnSp>
+        <p:nvCxnSpPr>
+          <p:cNvPr id="206" name="Conector angular 205"/>
+          <p:cNvCxnSpPr/>
+          <p:nvPr/>
+        </p:nvCxnSpPr>
+        <p:spPr>
+          <a:xfrm rot="16200000" flipH="1">
+            <a:off x="5454676" y="3592652"/>
+            <a:ext cx="133404" cy="290"/>
+          </a:xfrm>
+          <a:prstGeom prst="bentConnector3">
+            <a:avLst>
+              <a:gd name="adj1" fmla="val 50000"/>
+            </a:avLst>
+          </a:prstGeom>
+          <a:ln w="12700">
+            <a:solidFill>
+              <a:schemeClr val="tx1"/>
+            </a:solidFill>
+          </a:ln>
+        </p:spPr>
+        <p:style>
+          <a:lnRef idx="1">
+            <a:schemeClr val="accent1"/>
+          </a:lnRef>
+          <a:fillRef idx="0">
+            <a:schemeClr val="accent1"/>
+          </a:fillRef>
+          <a:effectRef idx="0">
+            <a:schemeClr val="accent1"/>
+          </a:effectRef>
+          <a:fontRef idx="minor">
+            <a:schemeClr val="tx1"/>
+          </a:fontRef>
+        </p:style>
+      </p:cxnSp>
+      <p:cxnSp>
+        <p:nvCxnSpPr>
+          <p:cNvPr id="209" name="Conector angular 208"/>
+          <p:cNvCxnSpPr/>
+          <p:nvPr/>
+        </p:nvCxnSpPr>
+        <p:spPr>
+          <a:xfrm rot="16200000" flipH="1">
+            <a:off x="5454386" y="5082204"/>
+            <a:ext cx="133404" cy="290"/>
+          </a:xfrm>
+          <a:prstGeom prst="bentConnector3">
+            <a:avLst>
+              <a:gd name="adj1" fmla="val 50000"/>
+            </a:avLst>
+          </a:prstGeom>
+          <a:ln w="12700">
+            <a:solidFill>
+              <a:schemeClr val="tx1"/>
+            </a:solidFill>
+          </a:ln>
+        </p:spPr>
+        <p:style>
+          <a:lnRef idx="1">
+            <a:schemeClr val="accent1"/>
+          </a:lnRef>
+          <a:fillRef idx="0">
+            <a:schemeClr val="accent1"/>
+          </a:fillRef>
+          <a:effectRef idx="0">
+            <a:schemeClr val="accent1"/>
+          </a:effectRef>
+          <a:fontRef idx="minor">
+            <a:schemeClr val="tx1"/>
+          </a:fontRef>
+        </p:style>
+      </p:cxnSp>
+      <p:cxnSp>
+        <p:nvCxnSpPr>
+          <p:cNvPr id="210" name="Conector angular 209"/>
+          <p:cNvCxnSpPr/>
+          <p:nvPr/>
+        </p:nvCxnSpPr>
+        <p:spPr>
+          <a:xfrm rot="16200000" flipH="1">
+            <a:off x="5462725" y="4315395"/>
+            <a:ext cx="133404" cy="290"/>
+          </a:xfrm>
+          <a:prstGeom prst="bentConnector3">
+            <a:avLst>
+              <a:gd name="adj1" fmla="val 425885"/>
+            </a:avLst>
+          </a:prstGeom>
+          <a:ln w="12700">
+            <a:solidFill>
+              <a:schemeClr val="tx1"/>
+            </a:solidFill>
+          </a:ln>
+        </p:spPr>
+        <p:style>
+          <a:lnRef idx="1">
+            <a:schemeClr val="accent1"/>
+          </a:lnRef>
+          <a:fillRef idx="0">
+            <a:schemeClr val="accent1"/>
+          </a:fillRef>
+          <a:effectRef idx="0">
+            <a:schemeClr val="accent1"/>
+          </a:effectRef>
+          <a:fontRef idx="minor">
+            <a:schemeClr val="tx1"/>
+          </a:fontRef>
+        </p:style>
+      </p:cxnSp>
+      <p:cxnSp>
+        <p:nvCxnSpPr>
+          <p:cNvPr id="218" name="Conector angular 217"/>
+          <p:cNvCxnSpPr/>
+          <p:nvPr/>
+        </p:nvCxnSpPr>
+        <p:spPr>
+          <a:xfrm rot="16200000" flipH="1">
+            <a:off x="7891601" y="1448024"/>
+            <a:ext cx="133404" cy="290"/>
+          </a:xfrm>
+          <a:prstGeom prst="bentConnector3">
+            <a:avLst>
+              <a:gd name="adj1" fmla="val 50000"/>
+            </a:avLst>
+          </a:prstGeom>
+          <a:ln w="12700">
+            <a:solidFill>
+              <a:schemeClr val="tx1"/>
+            </a:solidFill>
+          </a:ln>
+        </p:spPr>
+        <p:style>
+          <a:lnRef idx="1">
+            <a:schemeClr val="accent1"/>
+          </a:lnRef>
+          <a:fillRef idx="0">
+            <a:schemeClr val="accent1"/>
+          </a:fillRef>
+          <a:effectRef idx="0">
+            <a:schemeClr val="accent1"/>
+          </a:effectRef>
+          <a:fontRef idx="minor">
+            <a:schemeClr val="tx1"/>
+          </a:fontRef>
+        </p:style>
+      </p:cxnSp>
+      <p:cxnSp>
+        <p:nvCxnSpPr>
+          <p:cNvPr id="219" name="Conector angular 218"/>
+          <p:cNvCxnSpPr/>
+          <p:nvPr/>
+        </p:nvCxnSpPr>
+        <p:spPr>
+          <a:xfrm rot="16200000" flipH="1">
+            <a:off x="7895999" y="1771710"/>
+            <a:ext cx="133404" cy="290"/>
+          </a:xfrm>
+          <a:prstGeom prst="bentConnector3">
+            <a:avLst>
+              <a:gd name="adj1" fmla="val 50000"/>
+            </a:avLst>
+          </a:prstGeom>
+          <a:ln w="12700">
+            <a:solidFill>
+              <a:schemeClr val="tx1"/>
+            </a:solidFill>
+          </a:ln>
+        </p:spPr>
+        <p:style>
+          <a:lnRef idx="1">
+            <a:schemeClr val="accent1"/>
+          </a:lnRef>
+          <a:fillRef idx="0">
+            <a:schemeClr val="accent1"/>
+          </a:fillRef>
+          <a:effectRef idx="0">
+            <a:schemeClr val="accent1"/>
+          </a:effectRef>
+          <a:fontRef idx="minor">
+            <a:schemeClr val="tx1"/>
+          </a:fontRef>
+        </p:style>
+      </p:cxnSp>
+      <p:cxnSp>
+        <p:nvCxnSpPr>
+          <p:cNvPr id="258" name="Conector angular 257"/>
+          <p:cNvCxnSpPr/>
+          <p:nvPr/>
+        </p:nvCxnSpPr>
+        <p:spPr>
+          <a:xfrm rot="16200000" flipH="1">
+            <a:off x="7903760" y="2358968"/>
+            <a:ext cx="133404" cy="290"/>
+          </a:xfrm>
+          <a:prstGeom prst="bentConnector3">
+            <a:avLst>
+              <a:gd name="adj1" fmla="val 50000"/>
+            </a:avLst>
+          </a:prstGeom>
+          <a:ln w="12700">
+            <a:solidFill>
+              <a:schemeClr val="tx1"/>
+            </a:solidFill>
+          </a:ln>
+        </p:spPr>
+        <p:style>
+          <a:lnRef idx="1">
+            <a:schemeClr val="accent1"/>
+          </a:lnRef>
+          <a:fillRef idx="0">
+            <a:schemeClr val="accent1"/>
+          </a:fillRef>
+          <a:effectRef idx="0">
+            <a:schemeClr val="accent1"/>
+          </a:effectRef>
+          <a:fontRef idx="minor">
+            <a:schemeClr val="tx1"/>
+          </a:fontRef>
+        </p:style>
+      </p:cxnSp>
+      <p:cxnSp>
+        <p:nvCxnSpPr>
+          <p:cNvPr id="259" name="Conector angular 258"/>
+          <p:cNvCxnSpPr/>
+          <p:nvPr/>
+        </p:nvCxnSpPr>
+        <p:spPr>
+          <a:xfrm rot="16200000" flipH="1">
+            <a:off x="7891310" y="3258863"/>
+            <a:ext cx="133404" cy="290"/>
+          </a:xfrm>
+          <a:prstGeom prst="bentConnector3">
+            <a:avLst>
+              <a:gd name="adj1" fmla="val 50000"/>
+            </a:avLst>
+          </a:prstGeom>
+          <a:ln w="12700">
+            <a:solidFill>
+              <a:schemeClr val="tx1"/>
+            </a:solidFill>
+          </a:ln>
+        </p:spPr>
+        <p:style>
+          <a:lnRef idx="1">
+            <a:schemeClr val="accent1"/>
+          </a:lnRef>
+          <a:fillRef idx="0">
+            <a:schemeClr val="accent1"/>
+          </a:fillRef>
+          <a:effectRef idx="0">
+            <a:schemeClr val="accent1"/>
+          </a:effectRef>
+          <a:fontRef idx="minor">
+            <a:schemeClr val="tx1"/>
+          </a:fontRef>
+        </p:style>
+      </p:cxnSp>
+      <p:cxnSp>
+        <p:nvCxnSpPr>
+          <p:cNvPr id="260" name="Conector angular 259"/>
+          <p:cNvCxnSpPr/>
+          <p:nvPr/>
+        </p:nvCxnSpPr>
+        <p:spPr>
+          <a:xfrm rot="16200000" flipH="1">
+            <a:off x="7899898" y="2754398"/>
+            <a:ext cx="133404" cy="290"/>
+          </a:xfrm>
+          <a:prstGeom prst="bentConnector3">
+            <a:avLst>
+              <a:gd name="adj1" fmla="val 50000"/>
+            </a:avLst>
+          </a:prstGeom>
+          <a:ln w="12700">
+            <a:solidFill>
+              <a:schemeClr val="tx1"/>
+            </a:solidFill>
+          </a:ln>
+        </p:spPr>
+        <p:style>
+          <a:lnRef idx="1">
+            <a:schemeClr val="accent1"/>
+          </a:lnRef>
+          <a:fillRef idx="0">
+            <a:schemeClr val="accent1"/>
+          </a:fillRef>
+          <a:effectRef idx="0">
+            <a:schemeClr val="accent1"/>
+          </a:effectRef>
+          <a:fontRef idx="minor">
+            <a:schemeClr val="tx1"/>
+          </a:fontRef>
+        </p:style>
+      </p:cxnSp>
       <p:sp>
         <p:nvSpPr>
-          <p:cNvPr id="326" name="CuadroTexto 325" descr="Conector entre nodos" title="conector"/>
+          <p:cNvPr id="261" name="CuadroTexto 260" descr="Conector entre nodos" title="conector"/>
           <p:cNvSpPr txBox="1"/>
           <p:nvPr/>
         </p:nvSpPr>
         <p:spPr>
           <a:xfrm>
-            <a:off x="5700715" y="4816818"/>
+            <a:off x="7411412" y="3292997"/>
             <a:ext cx="1117174" cy="230832"/>
           </a:xfrm>
           <a:prstGeom prst="rect">
@@ -3955,7 +5214,7 @@
                 <a:latin typeface="Arial" panose="020B0604020202020204" pitchFamily="34" charset="0"/>
                 <a:cs typeface="Arial" panose="020B0604020202020204" pitchFamily="34" charset="0"/>
               </a:rPr>
-              <a:t>Permiten </a:t>
+              <a:t>que establece</a:t>
             </a:r>
             <a:endParaRPr lang="es-ES" sz="900" dirty="0">
               <a:latin typeface="Arial" panose="020B0604020202020204" pitchFamily="34" charset="0"/>
@@ -3966,459 +5225,14 @@
       </p:sp>
       <p:cxnSp>
         <p:nvCxnSpPr>
-          <p:cNvPr id="327" name="Conector angular 326"/>
-          <p:cNvCxnSpPr>
-            <a:stCxn id="321" idx="2"/>
-            <a:endCxn id="326" idx="0"/>
-          </p:cNvCxnSpPr>
+          <p:cNvPr id="263" name="Conector angular 262"/>
+          <p:cNvCxnSpPr/>
           <p:nvPr/>
         </p:nvCxnSpPr>
         <p:spPr>
-          <a:xfrm rot="5400000">
-            <a:off x="6033513" y="4586421"/>
-            <a:ext cx="456187" cy="4607"/>
-          </a:xfrm>
-          <a:prstGeom prst="bentConnector3">
-            <a:avLst>
-              <a:gd name="adj1" fmla="val 50000"/>
-            </a:avLst>
-          </a:prstGeom>
-          <a:ln w="12700">
-            <a:solidFill>
-              <a:schemeClr val="tx1"/>
-            </a:solidFill>
-          </a:ln>
-        </p:spPr>
-        <p:style>
-          <a:lnRef idx="1">
-            <a:schemeClr val="accent1"/>
-          </a:lnRef>
-          <a:fillRef idx="0">
-            <a:schemeClr val="accent1"/>
-          </a:fillRef>
-          <a:effectRef idx="0">
-            <a:schemeClr val="accent1"/>
-          </a:effectRef>
-          <a:fontRef idx="minor">
-            <a:schemeClr val="tx1"/>
-          </a:fontRef>
-        </p:style>
-      </p:cxnSp>
-      <p:cxnSp>
-        <p:nvCxnSpPr>
-          <p:cNvPr id="328" name="Conector angular 327"/>
-          <p:cNvCxnSpPr>
-            <a:stCxn id="325" idx="0"/>
-            <a:endCxn id="326" idx="2"/>
-          </p:cNvCxnSpPr>
-          <p:nvPr/>
-        </p:nvCxnSpPr>
-        <p:spPr>
-          <a:xfrm rot="16200000" flipV="1">
-            <a:off x="6134870" y="5172083"/>
-            <a:ext cx="259375" cy="10510"/>
-          </a:xfrm>
-          <a:prstGeom prst="bentConnector3">
-            <a:avLst/>
-          </a:prstGeom>
-          <a:ln w="12700">
-            <a:solidFill>
-              <a:schemeClr val="tx1"/>
-            </a:solidFill>
-          </a:ln>
-        </p:spPr>
-        <p:style>
-          <a:lnRef idx="1">
-            <a:schemeClr val="accent1"/>
-          </a:lnRef>
-          <a:fillRef idx="0">
-            <a:schemeClr val="accent1"/>
-          </a:fillRef>
-          <a:effectRef idx="0">
-            <a:schemeClr val="accent1"/>
-          </a:effectRef>
-          <a:fontRef idx="minor">
-            <a:schemeClr val="tx1"/>
-          </a:fontRef>
-        </p:style>
-      </p:cxnSp>
-      <p:sp>
-        <p:nvSpPr>
-          <p:cNvPr id="363" name="CuadroTexto 362" descr="Conector entre nodos" title="conector"/>
-          <p:cNvSpPr txBox="1"/>
-          <p:nvPr/>
-        </p:nvSpPr>
-        <p:spPr>
-          <a:xfrm>
-            <a:off x="7460075" y="2487599"/>
-            <a:ext cx="1117174" cy="230836"/>
-          </a:xfrm>
-          <a:prstGeom prst="rect">
-            <a:avLst/>
-          </a:prstGeom>
-          <a:noFill/>
-        </p:spPr>
-        <p:txBody>
-          <a:bodyPr wrap="square" rtlCol="0">
-            <a:spAutoFit/>
-          </a:bodyPr>
-          <a:lstStyle/>
-          <a:p>
-            <a:pPr algn="ctr"/>
-            <a:r>
-              <a:rPr lang="es-ES" sz="900" dirty="0" smtClean="0">
-                <a:latin typeface="Arial" panose="020B0604020202020204" pitchFamily="34" charset="0"/>
-                <a:cs typeface="Arial" panose="020B0604020202020204" pitchFamily="34" charset="0"/>
-              </a:rPr>
-              <a:t>respetan</a:t>
-            </a:r>
-            <a:endParaRPr lang="es-ES" sz="900" dirty="0">
-              <a:latin typeface="Arial" panose="020B0604020202020204" pitchFamily="34" charset="0"/>
-              <a:cs typeface="Arial" panose="020B0604020202020204" pitchFamily="34" charset="0"/>
-            </a:endParaRPr>
-          </a:p>
-        </p:txBody>
-      </p:sp>
-      <p:cxnSp>
-        <p:nvCxnSpPr>
-          <p:cNvPr id="368" name="Conector angular 367"/>
-          <p:cNvCxnSpPr>
-            <a:stCxn id="339" idx="2"/>
-            <a:endCxn id="363" idx="0"/>
-          </p:cNvCxnSpPr>
-          <p:nvPr/>
-        </p:nvCxnSpPr>
-        <p:spPr>
           <a:xfrm rot="16200000" flipH="1">
-            <a:off x="7983835" y="2452771"/>
-            <a:ext cx="59145" cy="10510"/>
-          </a:xfrm>
-          <a:prstGeom prst="bentConnector3">
-            <a:avLst>
-              <a:gd name="adj1" fmla="val 50000"/>
-            </a:avLst>
-          </a:prstGeom>
-          <a:ln w="12700">
-            <a:solidFill>
-              <a:schemeClr val="tx1"/>
-            </a:solidFill>
-          </a:ln>
-        </p:spPr>
-        <p:style>
-          <a:lnRef idx="1">
-            <a:schemeClr val="accent1"/>
-          </a:lnRef>
-          <a:fillRef idx="0">
-            <a:schemeClr val="accent1"/>
-          </a:fillRef>
-          <a:effectRef idx="0">
-            <a:schemeClr val="accent1"/>
-          </a:effectRef>
-          <a:fontRef idx="minor">
-            <a:schemeClr val="tx1"/>
-          </a:fontRef>
-        </p:style>
-      </p:cxnSp>
-      <p:sp>
-        <p:nvSpPr>
-          <p:cNvPr id="369" name="Rectángulo 368" descr="Nodo de tercer nivel" title="Nodo03"/>
-          <p:cNvSpPr/>
-          <p:nvPr/>
-        </p:nvSpPr>
-        <p:spPr>
-          <a:xfrm>
-            <a:off x="7454818" y="2773343"/>
-            <a:ext cx="1122431" cy="343441"/>
-          </a:xfrm>
-          <a:prstGeom prst="rect">
-            <a:avLst/>
-          </a:prstGeom>
-          <a:solidFill>
-            <a:schemeClr val="bg2">
-              <a:lumMod val="90000"/>
-            </a:schemeClr>
-          </a:solidFill>
-          <a:ln>
-            <a:solidFill>
-              <a:schemeClr val="tx1"/>
-            </a:solidFill>
-          </a:ln>
-        </p:spPr>
-        <p:style>
-          <a:lnRef idx="2">
-            <a:schemeClr val="accent6"/>
-          </a:lnRef>
-          <a:fillRef idx="1">
-            <a:schemeClr val="lt1"/>
-          </a:fillRef>
-          <a:effectRef idx="0">
-            <a:schemeClr val="accent6"/>
-          </a:effectRef>
-          <a:fontRef idx="minor">
-            <a:schemeClr val="dk1"/>
-          </a:fontRef>
-        </p:style>
-        <p:txBody>
-          <a:bodyPr rtlCol="0" anchor="ctr"/>
-          <a:lstStyle/>
-          <a:p>
-            <a:pPr algn="ctr"/>
-            <a:r>
-              <a:rPr lang="es-ES" sz="900" dirty="0" smtClean="0">
-                <a:solidFill>
-                  <a:schemeClr val="tx1"/>
-                </a:solidFill>
-                <a:latin typeface="Arial" panose="020B0604020202020204" pitchFamily="34" charset="0"/>
-                <a:cs typeface="Arial" panose="020B0604020202020204" pitchFamily="34" charset="0"/>
-              </a:rPr>
-              <a:t>Orden de operaciones</a:t>
-            </a:r>
-            <a:endParaRPr lang="es-ES" sz="900" dirty="0">
-              <a:solidFill>
-                <a:schemeClr val="tx1"/>
-              </a:solidFill>
-              <a:latin typeface="Arial" panose="020B0604020202020204" pitchFamily="34" charset="0"/>
-              <a:cs typeface="Arial" panose="020B0604020202020204" pitchFamily="34" charset="0"/>
-            </a:endParaRPr>
-          </a:p>
-        </p:txBody>
-      </p:sp>
-      <p:cxnSp>
-        <p:nvCxnSpPr>
-          <p:cNvPr id="370" name="Conector angular 369"/>
-          <p:cNvCxnSpPr>
-            <a:stCxn id="363" idx="2"/>
-            <a:endCxn id="369" idx="0"/>
-          </p:cNvCxnSpPr>
-          <p:nvPr/>
-        </p:nvCxnSpPr>
-        <p:spPr>
-          <a:xfrm rot="5400000">
-            <a:off x="7989894" y="2744575"/>
-            <a:ext cx="54908" cy="2628"/>
-          </a:xfrm>
-          <a:prstGeom prst="bentConnector3">
-            <a:avLst>
-              <a:gd name="adj1" fmla="val 50000"/>
-            </a:avLst>
-          </a:prstGeom>
-          <a:ln w="12700">
-            <a:solidFill>
-              <a:schemeClr val="tx1"/>
-            </a:solidFill>
-          </a:ln>
-        </p:spPr>
-        <p:style>
-          <a:lnRef idx="1">
-            <a:schemeClr val="accent1"/>
-          </a:lnRef>
-          <a:fillRef idx="0">
-            <a:schemeClr val="accent1"/>
-          </a:fillRef>
-          <a:effectRef idx="0">
-            <a:schemeClr val="accent1"/>
-          </a:effectRef>
-          <a:fontRef idx="minor">
-            <a:schemeClr val="tx1"/>
-          </a:fontRef>
-        </p:style>
-      </p:cxnSp>
-      <p:cxnSp>
-        <p:nvCxnSpPr>
-          <p:cNvPr id="371" name="Conector angular 370"/>
-          <p:cNvCxnSpPr>
-            <a:stCxn id="369" idx="2"/>
-            <a:endCxn id="372" idx="0"/>
-          </p:cNvCxnSpPr>
-          <p:nvPr/>
-        </p:nvCxnSpPr>
-        <p:spPr>
-          <a:xfrm rot="5400000">
-            <a:off x="7740402" y="3392044"/>
-            <a:ext cx="550892" cy="373"/>
-          </a:xfrm>
-          <a:prstGeom prst="bentConnector3">
-            <a:avLst>
-              <a:gd name="adj1" fmla="val 50000"/>
-            </a:avLst>
-          </a:prstGeom>
-          <a:ln w="12700">
-            <a:solidFill>
-              <a:schemeClr val="tx1"/>
-            </a:solidFill>
-          </a:ln>
-        </p:spPr>
-        <p:style>
-          <a:lnRef idx="1">
-            <a:schemeClr val="accent1"/>
-          </a:lnRef>
-          <a:fillRef idx="0">
-            <a:schemeClr val="accent1"/>
-          </a:fillRef>
-          <a:effectRef idx="0">
-            <a:schemeClr val="accent1"/>
-          </a:effectRef>
-          <a:fontRef idx="minor">
-            <a:schemeClr val="tx1"/>
-          </a:fontRef>
-        </p:style>
-      </p:cxnSp>
-      <p:sp>
-        <p:nvSpPr>
-          <p:cNvPr id="372" name="Rectángulo 371" descr="Nodo de cuarto nivel&#10;" title="Nodo04"/>
-          <p:cNvSpPr/>
-          <p:nvPr/>
-        </p:nvSpPr>
-        <p:spPr>
-          <a:xfrm>
-            <a:off x="7454445" y="3667676"/>
-            <a:ext cx="1122431" cy="1240655"/>
-          </a:xfrm>
-          <a:prstGeom prst="rect">
-            <a:avLst/>
-          </a:prstGeom>
-          <a:solidFill>
-            <a:schemeClr val="bg1"/>
-          </a:solidFill>
-          <a:ln>
-            <a:solidFill>
-              <a:schemeClr val="tx1"/>
-            </a:solidFill>
-          </a:ln>
-        </p:spPr>
-        <p:style>
-          <a:lnRef idx="2">
-            <a:schemeClr val="accent6"/>
-          </a:lnRef>
-          <a:fillRef idx="1">
-            <a:schemeClr val="lt1"/>
-          </a:fillRef>
-          <a:effectRef idx="0">
-            <a:schemeClr val="accent6"/>
-          </a:effectRef>
-          <a:fontRef idx="minor">
-            <a:schemeClr val="dk1"/>
-          </a:fontRef>
-        </p:style>
-        <p:txBody>
-          <a:bodyPr rtlCol="0" anchor="ctr"/>
-          <a:lstStyle/>
-          <a:p>
-            <a:pPr algn="ctr">
-              <a:buFont typeface="Arial" panose="020B0604020202020204" pitchFamily="34" charset="0"/>
-              <a:buChar char="•"/>
-            </a:pPr>
-            <a:r>
-              <a:rPr lang="es-ES" sz="900" dirty="0" smtClean="0">
-                <a:solidFill>
-                  <a:schemeClr val="tx1"/>
-                </a:solidFill>
-                <a:latin typeface="Arial" panose="020B0604020202020204" pitchFamily="34" charset="0"/>
-                <a:cs typeface="Arial" panose="020B0604020202020204" pitchFamily="34" charset="0"/>
-              </a:rPr>
-              <a:t>Signos de Agrupación</a:t>
-            </a:r>
-          </a:p>
-          <a:p>
-            <a:pPr algn="ctr">
-              <a:buFont typeface="Arial" panose="020B0604020202020204" pitchFamily="34" charset="0"/>
-              <a:buChar char="•"/>
-            </a:pPr>
-            <a:r>
-              <a:rPr lang="es-ES" sz="900" dirty="0" smtClean="0">
-                <a:solidFill>
-                  <a:schemeClr val="tx1"/>
-                </a:solidFill>
-                <a:latin typeface="Arial" panose="020B0604020202020204" pitchFamily="34" charset="0"/>
-                <a:cs typeface="Arial" panose="020B0604020202020204" pitchFamily="34" charset="0"/>
-              </a:rPr>
-              <a:t>Raíces y potencias</a:t>
-            </a:r>
-          </a:p>
-          <a:p>
-            <a:pPr algn="ctr">
-              <a:buFont typeface="Arial" panose="020B0604020202020204" pitchFamily="34" charset="0"/>
-              <a:buChar char="•"/>
-            </a:pPr>
-            <a:r>
-              <a:rPr lang="es-ES" sz="900" dirty="0" smtClean="0">
-                <a:solidFill>
-                  <a:schemeClr val="tx1"/>
-                </a:solidFill>
-                <a:latin typeface="Arial" panose="020B0604020202020204" pitchFamily="34" charset="0"/>
-                <a:cs typeface="Arial" panose="020B0604020202020204" pitchFamily="34" charset="0"/>
-              </a:rPr>
-              <a:t>Productos y divisiones</a:t>
-            </a:r>
-          </a:p>
-          <a:p>
-            <a:pPr algn="ctr">
-              <a:buFont typeface="Arial" panose="020B0604020202020204" pitchFamily="34" charset="0"/>
-              <a:buChar char="•"/>
-            </a:pPr>
-            <a:r>
-              <a:rPr lang="es-ES" sz="900" dirty="0" smtClean="0">
-                <a:solidFill>
-                  <a:schemeClr val="tx1"/>
-                </a:solidFill>
-                <a:latin typeface="Arial" panose="020B0604020202020204" pitchFamily="34" charset="0"/>
-                <a:cs typeface="Arial" panose="020B0604020202020204" pitchFamily="34" charset="0"/>
-              </a:rPr>
-              <a:t>Adiciones y sustracciones</a:t>
-            </a:r>
-          </a:p>
-        </p:txBody>
-      </p:sp>
-      <p:sp>
-        <p:nvSpPr>
-          <p:cNvPr id="376" name="CuadroTexto 375" descr="Conector entre nodos" title="conector"/>
-          <p:cNvSpPr txBox="1"/>
-          <p:nvPr/>
-        </p:nvSpPr>
-        <p:spPr>
-          <a:xfrm>
-            <a:off x="7445779" y="680974"/>
-            <a:ext cx="1122431" cy="230832"/>
-          </a:xfrm>
-          <a:prstGeom prst="rect">
-            <a:avLst/>
-          </a:prstGeom>
-          <a:noFill/>
-        </p:spPr>
-        <p:txBody>
-          <a:bodyPr wrap="square" rtlCol="0">
-            <a:spAutoFit/>
-          </a:bodyPr>
-          <a:lstStyle/>
-          <a:p>
-            <a:pPr algn="ctr"/>
-            <a:r>
-              <a:rPr lang="es-ES" sz="900" dirty="0" smtClean="0">
-                <a:latin typeface="Arial" panose="020B0604020202020204" pitchFamily="34" charset="0"/>
-                <a:cs typeface="Arial" panose="020B0604020202020204" pitchFamily="34" charset="0"/>
-              </a:rPr>
-              <a:t>Amplían</a:t>
-            </a:r>
-            <a:endParaRPr lang="es-ES" sz="900" dirty="0">
-              <a:latin typeface="Arial" panose="020B0604020202020204" pitchFamily="34" charset="0"/>
-              <a:cs typeface="Arial" panose="020B0604020202020204" pitchFamily="34" charset="0"/>
-            </a:endParaRPr>
-          </a:p>
-        </p:txBody>
-      </p:sp>
-      <p:cxnSp>
-        <p:nvCxnSpPr>
-          <p:cNvPr id="377" name="Conector angular 376"/>
-          <p:cNvCxnSpPr>
-            <a:stCxn id="376" idx="2"/>
-            <a:endCxn id="335" idx="0"/>
-          </p:cNvCxnSpPr>
-          <p:nvPr/>
-        </p:nvCxnSpPr>
-        <p:spPr>
-          <a:xfrm rot="16200000" flipH="1">
-            <a:off x="7977248" y="941552"/>
-            <a:ext cx="60650" cy="1157"/>
+            <a:off x="7888692" y="3541672"/>
+            <a:ext cx="133404" cy="290"/>
           </a:xfrm>
           <a:prstGeom prst="bentConnector3">
             <a:avLst>
